--- a/aztotMD algorithms.pptx
+++ b/aztotMD algorithms.pptx
@@ -10,6 +10,7 @@
     <p:sldId id="258" r:id="rId4"/>
     <p:sldId id="259" r:id="rId5"/>
     <p:sldId id="260" r:id="rId6"/>
+    <p:sldId id="261" r:id="rId7"/>
   </p:sldIdLst>
   <p:sldSz cx="12192000" cy="6858000"/>
   <p:notesSz cx="6858000" cy="9144000"/>
@@ -263,7 +264,7 @@
           <a:p>
             <a:fld id="{2BF8F227-E35C-4FE9-99E4-CFAAAAE1CC63}" type="datetimeFigureOut">
               <a:rPr lang="ru-RU" smtClean="0"/>
-              <a:t>21.03.2021</a:t>
+              <a:t>18.11.2021</a:t>
             </a:fld>
             <a:endParaRPr lang="ru-RU"/>
           </a:p>
@@ -461,7 +462,7 @@
           <a:p>
             <a:fld id="{2BF8F227-E35C-4FE9-99E4-CFAAAAE1CC63}" type="datetimeFigureOut">
               <a:rPr lang="ru-RU" smtClean="0"/>
-              <a:t>21.03.2021</a:t>
+              <a:t>18.11.2021</a:t>
             </a:fld>
             <a:endParaRPr lang="ru-RU"/>
           </a:p>
@@ -669,7 +670,7 @@
           <a:p>
             <a:fld id="{2BF8F227-E35C-4FE9-99E4-CFAAAAE1CC63}" type="datetimeFigureOut">
               <a:rPr lang="ru-RU" smtClean="0"/>
-              <a:t>21.03.2021</a:t>
+              <a:t>18.11.2021</a:t>
             </a:fld>
             <a:endParaRPr lang="ru-RU"/>
           </a:p>
@@ -867,7 +868,7 @@
           <a:p>
             <a:fld id="{2BF8F227-E35C-4FE9-99E4-CFAAAAE1CC63}" type="datetimeFigureOut">
               <a:rPr lang="ru-RU" smtClean="0"/>
-              <a:t>21.03.2021</a:t>
+              <a:t>18.11.2021</a:t>
             </a:fld>
             <a:endParaRPr lang="ru-RU"/>
           </a:p>
@@ -1142,7 +1143,7 @@
           <a:p>
             <a:fld id="{2BF8F227-E35C-4FE9-99E4-CFAAAAE1CC63}" type="datetimeFigureOut">
               <a:rPr lang="ru-RU" smtClean="0"/>
-              <a:t>21.03.2021</a:t>
+              <a:t>18.11.2021</a:t>
             </a:fld>
             <a:endParaRPr lang="ru-RU"/>
           </a:p>
@@ -1407,7 +1408,7 @@
           <a:p>
             <a:fld id="{2BF8F227-E35C-4FE9-99E4-CFAAAAE1CC63}" type="datetimeFigureOut">
               <a:rPr lang="ru-RU" smtClean="0"/>
-              <a:t>21.03.2021</a:t>
+              <a:t>18.11.2021</a:t>
             </a:fld>
             <a:endParaRPr lang="ru-RU"/>
           </a:p>
@@ -1819,7 +1820,7 @@
           <a:p>
             <a:fld id="{2BF8F227-E35C-4FE9-99E4-CFAAAAE1CC63}" type="datetimeFigureOut">
               <a:rPr lang="ru-RU" smtClean="0"/>
-              <a:t>21.03.2021</a:t>
+              <a:t>18.11.2021</a:t>
             </a:fld>
             <a:endParaRPr lang="ru-RU"/>
           </a:p>
@@ -1960,7 +1961,7 @@
           <a:p>
             <a:fld id="{2BF8F227-E35C-4FE9-99E4-CFAAAAE1CC63}" type="datetimeFigureOut">
               <a:rPr lang="ru-RU" smtClean="0"/>
-              <a:t>21.03.2021</a:t>
+              <a:t>18.11.2021</a:t>
             </a:fld>
             <a:endParaRPr lang="ru-RU"/>
           </a:p>
@@ -2073,7 +2074,7 @@
           <a:p>
             <a:fld id="{2BF8F227-E35C-4FE9-99E4-CFAAAAE1CC63}" type="datetimeFigureOut">
               <a:rPr lang="ru-RU" smtClean="0"/>
-              <a:t>21.03.2021</a:t>
+              <a:t>18.11.2021</a:t>
             </a:fld>
             <a:endParaRPr lang="ru-RU"/>
           </a:p>
@@ -2384,7 +2385,7 @@
           <a:p>
             <a:fld id="{2BF8F227-E35C-4FE9-99E4-CFAAAAE1CC63}" type="datetimeFigureOut">
               <a:rPr lang="ru-RU" smtClean="0"/>
-              <a:t>21.03.2021</a:t>
+              <a:t>18.11.2021</a:t>
             </a:fld>
             <a:endParaRPr lang="ru-RU"/>
           </a:p>
@@ -2672,7 +2673,7 @@
           <a:p>
             <a:fld id="{2BF8F227-E35C-4FE9-99E4-CFAAAAE1CC63}" type="datetimeFigureOut">
               <a:rPr lang="ru-RU" smtClean="0"/>
-              <a:t>21.03.2021</a:t>
+              <a:t>18.11.2021</a:t>
             </a:fld>
             <a:endParaRPr lang="ru-RU"/>
           </a:p>
@@ -2913,7 +2914,7 @@
           <a:p>
             <a:fld id="{2BF8F227-E35C-4FE9-99E4-CFAAAAE1CC63}" type="datetimeFigureOut">
               <a:rPr lang="ru-RU" smtClean="0"/>
-              <a:t>21.03.2021</a:t>
+              <a:t>18.11.2021</a:t>
             </a:fld>
             <a:endParaRPr lang="ru-RU"/>
           </a:p>
@@ -14956,6 +14957,4129 @@
 </p:sld>
 </file>
 
+<file path=ppt/slides/slide6.xml><?xml version="1.0" encoding="utf-8"?>
+<p:sld xmlns:a="http://schemas.openxmlformats.org/drawingml/2006/main" xmlns:r="http://schemas.openxmlformats.org/officeDocument/2006/relationships" xmlns:p="http://schemas.openxmlformats.org/presentationml/2006/main">
+  <p:cSld>
+    <p:spTree>
+      <p:nvGrpSpPr>
+        <p:cNvPr id="1" name=""/>
+        <p:cNvGrpSpPr/>
+        <p:nvPr/>
+      </p:nvGrpSpPr>
+      <p:grpSpPr>
+        <a:xfrm>
+          <a:off x="0" y="0"/>
+          <a:ext cx="0" cy="0"/>
+          <a:chOff x="0" y="0"/>
+          <a:chExt cx="0" cy="0"/>
+        </a:xfrm>
+      </p:grpSpPr>
+      <p:sp>
+        <p:nvSpPr>
+          <p:cNvPr id="2" name="Заголовок 1">
+            <a:extLst>
+              <a:ext uri="{FF2B5EF4-FFF2-40B4-BE49-F238E27FC236}">
+                <a16:creationId xmlns:a16="http://schemas.microsoft.com/office/drawing/2014/main" id="{8FEB38D2-589C-4D74-8CF6-32DB507C5D5E}"/>
+              </a:ext>
+            </a:extLst>
+          </p:cNvPr>
+          <p:cNvSpPr>
+            <a:spLocks noGrp="1"/>
+          </p:cNvSpPr>
+          <p:nvPr>
+            <p:ph type="title"/>
+          </p:nvPr>
+        </p:nvSpPr>
+        <p:spPr/>
+        <p:txBody>
+          <a:bodyPr/>
+          <a:lstStyle/>
+          <a:p>
+            <a:r>
+              <a:rPr lang="en-US" dirty="0"/>
+              <a:t>trajectories in condition of sorting</a:t>
+            </a:r>
+            <a:endParaRPr lang="ru-RU" dirty="0"/>
+          </a:p>
+        </p:txBody>
+      </p:sp>
+      <p:graphicFrame>
+        <p:nvGraphicFramePr>
+          <p:cNvPr id="5" name="Таблица 4">
+            <a:extLst>
+              <a:ext uri="{FF2B5EF4-FFF2-40B4-BE49-F238E27FC236}">
+                <a16:creationId xmlns:a16="http://schemas.microsoft.com/office/drawing/2014/main" id="{44FA1AEF-0247-4352-A2E6-63A65CC8418F}"/>
+              </a:ext>
+            </a:extLst>
+          </p:cNvPr>
+          <p:cNvGraphicFramePr>
+            <a:graphicFrameLocks noGrp="1"/>
+          </p:cNvGraphicFramePr>
+          <p:nvPr>
+            <p:extLst>
+              <p:ext uri="{D42A27DB-BD31-4B8C-83A1-F6EECF244321}">
+                <p14:modId xmlns:p14="http://schemas.microsoft.com/office/powerpoint/2010/main" val="3833391585"/>
+              </p:ext>
+            </p:extLst>
+          </p:nvPr>
+        </p:nvGraphicFramePr>
+        <p:xfrm>
+          <a:off x="1049394" y="1910917"/>
+          <a:ext cx="668174" cy="1837983"/>
+        </p:xfrm>
+        <a:graphic>
+          <a:graphicData uri="http://schemas.openxmlformats.org/drawingml/2006/table">
+            <a:tbl>
+              <a:tblPr firstRow="1" bandRow="1">
+                <a:tableStyleId>{5C22544A-7EE6-4342-B048-85BDC9FD1C3A}</a:tableStyleId>
+              </a:tblPr>
+              <a:tblGrid>
+                <a:gridCol w="668174">
+                  <a:extLst>
+                    <a:ext uri="{9D8B030D-6E8A-4147-A177-3AD203B41FA5}">
+                      <a16:colId xmlns:a16="http://schemas.microsoft.com/office/drawing/2014/main" val="2131970869"/>
+                    </a:ext>
+                  </a:extLst>
+                </a:gridCol>
+              </a:tblGrid>
+              <a:tr h="374943">
+                <a:tc>
+                  <a:txBody>
+                    <a:bodyPr/>
+                    <a:lstStyle/>
+                    <a:p>
+                      <a:pPr algn="ctr"/>
+                      <a:r>
+                        <a:rPr lang="en-US" b="0" dirty="0">
+                          <a:solidFill>
+                            <a:schemeClr val="tx1"/>
+                          </a:solidFill>
+                        </a:rPr>
+                        <a:t>A</a:t>
+                      </a:r>
+                      <a:endParaRPr lang="ru-RU" b="0" dirty="0">
+                        <a:solidFill>
+                          <a:schemeClr val="tx1"/>
+                        </a:solidFill>
+                      </a:endParaRPr>
+                    </a:p>
+                  </a:txBody>
+                  <a:tcPr>
+                    <a:lnL w="12700" cap="flat" cmpd="sng" algn="ctr">
+                      <a:solidFill>
+                        <a:schemeClr val="tx1"/>
+                      </a:solidFill>
+                      <a:prstDash val="solid"/>
+                      <a:round/>
+                      <a:headEnd type="none" w="med" len="med"/>
+                      <a:tailEnd type="none" w="med" len="med"/>
+                    </a:lnL>
+                    <a:lnR w="12700" cap="flat" cmpd="sng" algn="ctr">
+                      <a:solidFill>
+                        <a:schemeClr val="tx1"/>
+                      </a:solidFill>
+                      <a:prstDash val="solid"/>
+                      <a:round/>
+                      <a:headEnd type="none" w="med" len="med"/>
+                      <a:tailEnd type="none" w="med" len="med"/>
+                    </a:lnR>
+                    <a:lnT w="12700" cap="flat" cmpd="sng" algn="ctr">
+                      <a:solidFill>
+                        <a:schemeClr val="tx1"/>
+                      </a:solidFill>
+                      <a:prstDash val="solid"/>
+                      <a:round/>
+                      <a:headEnd type="none" w="med" len="med"/>
+                      <a:tailEnd type="none" w="med" len="med"/>
+                    </a:lnT>
+                    <a:lnB w="12700" cap="flat" cmpd="sng" algn="ctr">
+                      <a:solidFill>
+                        <a:schemeClr val="tx1"/>
+                      </a:solidFill>
+                      <a:prstDash val="solid"/>
+                      <a:round/>
+                      <a:headEnd type="none" w="med" len="med"/>
+                      <a:tailEnd type="none" w="med" len="med"/>
+                    </a:lnB>
+                    <a:lnTlToBr w="12700" cmpd="sng">
+                      <a:noFill/>
+                      <a:prstDash val="solid"/>
+                    </a:lnTlToBr>
+                    <a:lnBlToTr w="12700" cmpd="sng">
+                      <a:noFill/>
+                      <a:prstDash val="solid"/>
+                    </a:lnBlToTr>
+                    <a:solidFill>
+                      <a:schemeClr val="bg1"/>
+                    </a:solidFill>
+                  </a:tcPr>
+                </a:tc>
+                <a:extLst>
+                  <a:ext uri="{0D108BD9-81ED-4DB2-BD59-A6C34878D82A}">
+                    <a16:rowId xmlns:a16="http://schemas.microsoft.com/office/drawing/2014/main" val="3621552430"/>
+                  </a:ext>
+                </a:extLst>
+              </a:tr>
+              <a:tr h="0">
+                <a:tc>
+                  <a:txBody>
+                    <a:bodyPr/>
+                    <a:lstStyle/>
+                    <a:p>
+                      <a:pPr algn="ctr"/>
+                      <a:r>
+                        <a:rPr lang="en-US" dirty="0">
+                          <a:solidFill>
+                            <a:schemeClr val="tx1"/>
+                          </a:solidFill>
+                        </a:rPr>
+                        <a:t>B</a:t>
+                      </a:r>
+                      <a:endParaRPr lang="ru-RU" dirty="0">
+                        <a:solidFill>
+                          <a:schemeClr val="tx1"/>
+                        </a:solidFill>
+                      </a:endParaRPr>
+                    </a:p>
+                  </a:txBody>
+                  <a:tcPr>
+                    <a:lnL w="12700" cap="flat" cmpd="sng" algn="ctr">
+                      <a:solidFill>
+                        <a:schemeClr val="tx1"/>
+                      </a:solidFill>
+                      <a:prstDash val="solid"/>
+                      <a:round/>
+                      <a:headEnd type="none" w="med" len="med"/>
+                      <a:tailEnd type="none" w="med" len="med"/>
+                    </a:lnL>
+                    <a:lnR w="12700" cap="flat" cmpd="sng" algn="ctr">
+                      <a:solidFill>
+                        <a:schemeClr val="tx1"/>
+                      </a:solidFill>
+                      <a:prstDash val="solid"/>
+                      <a:round/>
+                      <a:headEnd type="none" w="med" len="med"/>
+                      <a:tailEnd type="none" w="med" len="med"/>
+                    </a:lnR>
+                    <a:lnT w="12700" cap="flat" cmpd="sng" algn="ctr">
+                      <a:solidFill>
+                        <a:schemeClr val="tx1"/>
+                      </a:solidFill>
+                      <a:prstDash val="solid"/>
+                      <a:round/>
+                      <a:headEnd type="none" w="med" len="med"/>
+                      <a:tailEnd type="none" w="med" len="med"/>
+                    </a:lnT>
+                    <a:lnB w="12700" cap="flat" cmpd="sng" algn="ctr">
+                      <a:solidFill>
+                        <a:schemeClr val="tx1"/>
+                      </a:solidFill>
+                      <a:prstDash val="solid"/>
+                      <a:round/>
+                      <a:headEnd type="none" w="med" len="med"/>
+                      <a:tailEnd type="none" w="med" len="med"/>
+                    </a:lnB>
+                    <a:lnTlToBr w="12700" cmpd="sng">
+                      <a:noFill/>
+                      <a:prstDash val="solid"/>
+                    </a:lnTlToBr>
+                    <a:lnBlToTr w="12700" cmpd="sng">
+                      <a:noFill/>
+                      <a:prstDash val="solid"/>
+                    </a:lnBlToTr>
+                    <a:solidFill>
+                      <a:schemeClr val="bg1"/>
+                    </a:solidFill>
+                  </a:tcPr>
+                </a:tc>
+                <a:extLst>
+                  <a:ext uri="{0D108BD9-81ED-4DB2-BD59-A6C34878D82A}">
+                    <a16:rowId xmlns:a16="http://schemas.microsoft.com/office/drawing/2014/main" val="3871388272"/>
+                  </a:ext>
+                </a:extLst>
+              </a:tr>
+              <a:tr h="301670">
+                <a:tc>
+                  <a:txBody>
+                    <a:bodyPr/>
+                    <a:lstStyle/>
+                    <a:p>
+                      <a:pPr algn="ctr"/>
+                      <a:r>
+                        <a:rPr lang="en-US" dirty="0">
+                          <a:solidFill>
+                            <a:schemeClr val="tx1"/>
+                          </a:solidFill>
+                        </a:rPr>
+                        <a:t>C</a:t>
+                      </a:r>
+                      <a:endParaRPr lang="ru-RU" dirty="0">
+                        <a:solidFill>
+                          <a:schemeClr val="tx1"/>
+                        </a:solidFill>
+                      </a:endParaRPr>
+                    </a:p>
+                  </a:txBody>
+                  <a:tcPr>
+                    <a:lnL w="12700" cap="flat" cmpd="sng" algn="ctr">
+                      <a:solidFill>
+                        <a:schemeClr val="tx1"/>
+                      </a:solidFill>
+                      <a:prstDash val="solid"/>
+                      <a:round/>
+                      <a:headEnd type="none" w="med" len="med"/>
+                      <a:tailEnd type="none" w="med" len="med"/>
+                    </a:lnL>
+                    <a:lnR w="12700" cap="flat" cmpd="sng" algn="ctr">
+                      <a:solidFill>
+                        <a:schemeClr val="tx1"/>
+                      </a:solidFill>
+                      <a:prstDash val="solid"/>
+                      <a:round/>
+                      <a:headEnd type="none" w="med" len="med"/>
+                      <a:tailEnd type="none" w="med" len="med"/>
+                    </a:lnR>
+                    <a:lnT w="12700" cap="flat" cmpd="sng" algn="ctr">
+                      <a:solidFill>
+                        <a:schemeClr val="tx1"/>
+                      </a:solidFill>
+                      <a:prstDash val="solid"/>
+                      <a:round/>
+                      <a:headEnd type="none" w="med" len="med"/>
+                      <a:tailEnd type="none" w="med" len="med"/>
+                    </a:lnT>
+                    <a:lnB w="12700" cap="flat" cmpd="sng" algn="ctr">
+                      <a:solidFill>
+                        <a:schemeClr val="tx1"/>
+                      </a:solidFill>
+                      <a:prstDash val="solid"/>
+                      <a:round/>
+                      <a:headEnd type="none" w="med" len="med"/>
+                      <a:tailEnd type="none" w="med" len="med"/>
+                    </a:lnB>
+                    <a:lnTlToBr w="12700" cmpd="sng">
+                      <a:noFill/>
+                      <a:prstDash val="solid"/>
+                    </a:lnTlToBr>
+                    <a:lnBlToTr w="12700" cmpd="sng">
+                      <a:noFill/>
+                      <a:prstDash val="solid"/>
+                    </a:lnBlToTr>
+                    <a:solidFill>
+                      <a:schemeClr val="bg1"/>
+                    </a:solidFill>
+                  </a:tcPr>
+                </a:tc>
+                <a:extLst>
+                  <a:ext uri="{0D108BD9-81ED-4DB2-BD59-A6C34878D82A}">
+                    <a16:rowId xmlns:a16="http://schemas.microsoft.com/office/drawing/2014/main" val="3525745541"/>
+                  </a:ext>
+                </a:extLst>
+              </a:tr>
+              <a:tr h="301670">
+                <a:tc>
+                  <a:txBody>
+                    <a:bodyPr/>
+                    <a:lstStyle/>
+                    <a:p>
+                      <a:pPr algn="ctr"/>
+                      <a:r>
+                        <a:rPr lang="en-US" dirty="0">
+                          <a:solidFill>
+                            <a:schemeClr val="tx1"/>
+                          </a:solidFill>
+                        </a:rPr>
+                        <a:t>D</a:t>
+                      </a:r>
+                      <a:endParaRPr lang="ru-RU" dirty="0">
+                        <a:solidFill>
+                          <a:schemeClr val="tx1"/>
+                        </a:solidFill>
+                      </a:endParaRPr>
+                    </a:p>
+                  </a:txBody>
+                  <a:tcPr>
+                    <a:lnL w="12700" cap="flat" cmpd="sng" algn="ctr">
+                      <a:solidFill>
+                        <a:schemeClr val="tx1"/>
+                      </a:solidFill>
+                      <a:prstDash val="solid"/>
+                      <a:round/>
+                      <a:headEnd type="none" w="med" len="med"/>
+                      <a:tailEnd type="none" w="med" len="med"/>
+                    </a:lnL>
+                    <a:lnR w="12700" cap="flat" cmpd="sng" algn="ctr">
+                      <a:solidFill>
+                        <a:schemeClr val="tx1"/>
+                      </a:solidFill>
+                      <a:prstDash val="solid"/>
+                      <a:round/>
+                      <a:headEnd type="none" w="med" len="med"/>
+                      <a:tailEnd type="none" w="med" len="med"/>
+                    </a:lnR>
+                    <a:lnT w="12700" cap="flat" cmpd="sng" algn="ctr">
+                      <a:solidFill>
+                        <a:schemeClr val="tx1"/>
+                      </a:solidFill>
+                      <a:prstDash val="solid"/>
+                      <a:round/>
+                      <a:headEnd type="none" w="med" len="med"/>
+                      <a:tailEnd type="none" w="med" len="med"/>
+                    </a:lnT>
+                    <a:lnB w="12700" cap="flat" cmpd="sng" algn="ctr">
+                      <a:solidFill>
+                        <a:schemeClr val="tx1"/>
+                      </a:solidFill>
+                      <a:prstDash val="solid"/>
+                      <a:round/>
+                      <a:headEnd type="none" w="med" len="med"/>
+                      <a:tailEnd type="none" w="med" len="med"/>
+                    </a:lnB>
+                    <a:lnTlToBr w="12700" cmpd="sng">
+                      <a:noFill/>
+                      <a:prstDash val="solid"/>
+                    </a:lnTlToBr>
+                    <a:lnBlToTr w="12700" cmpd="sng">
+                      <a:noFill/>
+                      <a:prstDash val="solid"/>
+                    </a:lnBlToTr>
+                    <a:solidFill>
+                      <a:schemeClr val="bg1"/>
+                    </a:solidFill>
+                  </a:tcPr>
+                </a:tc>
+                <a:extLst>
+                  <a:ext uri="{0D108BD9-81ED-4DB2-BD59-A6C34878D82A}">
+                    <a16:rowId xmlns:a16="http://schemas.microsoft.com/office/drawing/2014/main" val="247008469"/>
+                  </a:ext>
+                </a:extLst>
+              </a:tr>
+              <a:tr h="301670">
+                <a:tc>
+                  <a:txBody>
+                    <a:bodyPr/>
+                    <a:lstStyle/>
+                    <a:p>
+                      <a:pPr algn="ctr"/>
+                      <a:r>
+                        <a:rPr lang="en-US" dirty="0">
+                          <a:solidFill>
+                            <a:schemeClr val="tx1"/>
+                          </a:solidFill>
+                        </a:rPr>
+                        <a:t>E</a:t>
+                      </a:r>
+                      <a:endParaRPr lang="ru-RU" dirty="0">
+                        <a:solidFill>
+                          <a:schemeClr val="tx1"/>
+                        </a:solidFill>
+                      </a:endParaRPr>
+                    </a:p>
+                  </a:txBody>
+                  <a:tcPr>
+                    <a:lnL w="12700" cap="flat" cmpd="sng" algn="ctr">
+                      <a:solidFill>
+                        <a:schemeClr val="tx1"/>
+                      </a:solidFill>
+                      <a:prstDash val="solid"/>
+                      <a:round/>
+                      <a:headEnd type="none" w="med" len="med"/>
+                      <a:tailEnd type="none" w="med" len="med"/>
+                    </a:lnL>
+                    <a:lnR w="12700" cap="flat" cmpd="sng" algn="ctr">
+                      <a:solidFill>
+                        <a:schemeClr val="tx1"/>
+                      </a:solidFill>
+                      <a:prstDash val="solid"/>
+                      <a:round/>
+                      <a:headEnd type="none" w="med" len="med"/>
+                      <a:tailEnd type="none" w="med" len="med"/>
+                    </a:lnR>
+                    <a:lnT w="12700" cap="flat" cmpd="sng" algn="ctr">
+                      <a:solidFill>
+                        <a:schemeClr val="tx1"/>
+                      </a:solidFill>
+                      <a:prstDash val="solid"/>
+                      <a:round/>
+                      <a:headEnd type="none" w="med" len="med"/>
+                      <a:tailEnd type="none" w="med" len="med"/>
+                    </a:lnT>
+                    <a:lnB w="12700" cap="flat" cmpd="sng" algn="ctr">
+                      <a:solidFill>
+                        <a:schemeClr val="tx1"/>
+                      </a:solidFill>
+                      <a:prstDash val="solid"/>
+                      <a:round/>
+                      <a:headEnd type="none" w="med" len="med"/>
+                      <a:tailEnd type="none" w="med" len="med"/>
+                    </a:lnB>
+                    <a:lnTlToBr w="12700" cmpd="sng">
+                      <a:noFill/>
+                      <a:prstDash val="solid"/>
+                    </a:lnTlToBr>
+                    <a:lnBlToTr w="12700" cmpd="sng">
+                      <a:noFill/>
+                      <a:prstDash val="solid"/>
+                    </a:lnBlToTr>
+                    <a:solidFill>
+                      <a:schemeClr val="bg1"/>
+                    </a:solidFill>
+                  </a:tcPr>
+                </a:tc>
+                <a:extLst>
+                  <a:ext uri="{0D108BD9-81ED-4DB2-BD59-A6C34878D82A}">
+                    <a16:rowId xmlns:a16="http://schemas.microsoft.com/office/drawing/2014/main" val="2737849914"/>
+                  </a:ext>
+                </a:extLst>
+              </a:tr>
+            </a:tbl>
+          </a:graphicData>
+        </a:graphic>
+      </p:graphicFrame>
+      <p:graphicFrame>
+        <p:nvGraphicFramePr>
+          <p:cNvPr id="6" name="Таблица 5">
+            <a:extLst>
+              <a:ext uri="{FF2B5EF4-FFF2-40B4-BE49-F238E27FC236}">
+                <a16:creationId xmlns:a16="http://schemas.microsoft.com/office/drawing/2014/main" id="{99D0DDF7-C51C-4EEE-8383-8636A277FCFB}"/>
+              </a:ext>
+            </a:extLst>
+          </p:cNvPr>
+          <p:cNvGraphicFramePr>
+            <a:graphicFrameLocks noGrp="1"/>
+          </p:cNvGraphicFramePr>
+          <p:nvPr>
+            <p:extLst>
+              <p:ext uri="{D42A27DB-BD31-4B8C-83A1-F6EECF244321}">
+                <p14:modId xmlns:p14="http://schemas.microsoft.com/office/powerpoint/2010/main" val="2488721374"/>
+              </p:ext>
+            </p:extLst>
+          </p:nvPr>
+        </p:nvGraphicFramePr>
+        <p:xfrm>
+          <a:off x="2258237" y="1910917"/>
+          <a:ext cx="668174" cy="1837983"/>
+        </p:xfrm>
+        <a:graphic>
+          <a:graphicData uri="http://schemas.openxmlformats.org/drawingml/2006/table">
+            <a:tbl>
+              <a:tblPr firstRow="1" bandRow="1">
+                <a:tableStyleId>{5C22544A-7EE6-4342-B048-85BDC9FD1C3A}</a:tableStyleId>
+              </a:tblPr>
+              <a:tblGrid>
+                <a:gridCol w="668174">
+                  <a:extLst>
+                    <a:ext uri="{9D8B030D-6E8A-4147-A177-3AD203B41FA5}">
+                      <a16:colId xmlns:a16="http://schemas.microsoft.com/office/drawing/2014/main" val="2131970869"/>
+                    </a:ext>
+                  </a:extLst>
+                </a:gridCol>
+              </a:tblGrid>
+              <a:tr h="374943">
+                <a:tc>
+                  <a:txBody>
+                    <a:bodyPr/>
+                    <a:lstStyle/>
+                    <a:p>
+                      <a:pPr algn="ctr"/>
+                      <a:r>
+                        <a:rPr lang="en-US" b="0" dirty="0">
+                          <a:solidFill>
+                            <a:schemeClr val="tx1"/>
+                          </a:solidFill>
+                        </a:rPr>
+                        <a:t>A</a:t>
+                      </a:r>
+                      <a:endParaRPr lang="ru-RU" b="0" dirty="0">
+                        <a:solidFill>
+                          <a:schemeClr val="tx1"/>
+                        </a:solidFill>
+                      </a:endParaRPr>
+                    </a:p>
+                  </a:txBody>
+                  <a:tcPr>
+                    <a:lnL w="12700" cap="flat" cmpd="sng" algn="ctr">
+                      <a:solidFill>
+                        <a:schemeClr val="tx1"/>
+                      </a:solidFill>
+                      <a:prstDash val="solid"/>
+                      <a:round/>
+                      <a:headEnd type="none" w="med" len="med"/>
+                      <a:tailEnd type="none" w="med" len="med"/>
+                    </a:lnL>
+                    <a:lnR w="12700" cap="flat" cmpd="sng" algn="ctr">
+                      <a:solidFill>
+                        <a:schemeClr val="tx1"/>
+                      </a:solidFill>
+                      <a:prstDash val="solid"/>
+                      <a:round/>
+                      <a:headEnd type="none" w="med" len="med"/>
+                      <a:tailEnd type="none" w="med" len="med"/>
+                    </a:lnR>
+                    <a:lnT w="12700" cap="flat" cmpd="sng" algn="ctr">
+                      <a:solidFill>
+                        <a:schemeClr val="tx1"/>
+                      </a:solidFill>
+                      <a:prstDash val="solid"/>
+                      <a:round/>
+                      <a:headEnd type="none" w="med" len="med"/>
+                      <a:tailEnd type="none" w="med" len="med"/>
+                    </a:lnT>
+                    <a:lnB w="12700" cap="flat" cmpd="sng" algn="ctr">
+                      <a:solidFill>
+                        <a:schemeClr val="tx1"/>
+                      </a:solidFill>
+                      <a:prstDash val="solid"/>
+                      <a:round/>
+                      <a:headEnd type="none" w="med" len="med"/>
+                      <a:tailEnd type="none" w="med" len="med"/>
+                    </a:lnB>
+                    <a:lnTlToBr w="12700" cmpd="sng">
+                      <a:noFill/>
+                      <a:prstDash val="solid"/>
+                    </a:lnTlToBr>
+                    <a:lnBlToTr w="12700" cmpd="sng">
+                      <a:noFill/>
+                      <a:prstDash val="solid"/>
+                    </a:lnBlToTr>
+                    <a:solidFill>
+                      <a:schemeClr val="bg1"/>
+                    </a:solidFill>
+                  </a:tcPr>
+                </a:tc>
+                <a:extLst>
+                  <a:ext uri="{0D108BD9-81ED-4DB2-BD59-A6C34878D82A}">
+                    <a16:rowId xmlns:a16="http://schemas.microsoft.com/office/drawing/2014/main" val="3621552430"/>
+                  </a:ext>
+                </a:extLst>
+              </a:tr>
+              <a:tr h="0">
+                <a:tc>
+                  <a:txBody>
+                    <a:bodyPr/>
+                    <a:lstStyle/>
+                    <a:p>
+                      <a:pPr algn="ctr"/>
+                      <a:r>
+                        <a:rPr lang="en-US" dirty="0">
+                          <a:solidFill>
+                            <a:schemeClr val="tx1"/>
+                          </a:solidFill>
+                        </a:rPr>
+                        <a:t>B</a:t>
+                      </a:r>
+                      <a:endParaRPr lang="ru-RU" dirty="0">
+                        <a:solidFill>
+                          <a:schemeClr val="tx1"/>
+                        </a:solidFill>
+                      </a:endParaRPr>
+                    </a:p>
+                  </a:txBody>
+                  <a:tcPr>
+                    <a:lnL w="12700" cap="flat" cmpd="sng" algn="ctr">
+                      <a:solidFill>
+                        <a:schemeClr val="tx1"/>
+                      </a:solidFill>
+                      <a:prstDash val="solid"/>
+                      <a:round/>
+                      <a:headEnd type="none" w="med" len="med"/>
+                      <a:tailEnd type="none" w="med" len="med"/>
+                    </a:lnL>
+                    <a:lnR w="12700" cap="flat" cmpd="sng" algn="ctr">
+                      <a:solidFill>
+                        <a:schemeClr val="tx1"/>
+                      </a:solidFill>
+                      <a:prstDash val="solid"/>
+                      <a:round/>
+                      <a:headEnd type="none" w="med" len="med"/>
+                      <a:tailEnd type="none" w="med" len="med"/>
+                    </a:lnR>
+                    <a:lnT w="12700" cap="flat" cmpd="sng" algn="ctr">
+                      <a:solidFill>
+                        <a:schemeClr val="tx1"/>
+                      </a:solidFill>
+                      <a:prstDash val="solid"/>
+                      <a:round/>
+                      <a:headEnd type="none" w="med" len="med"/>
+                      <a:tailEnd type="none" w="med" len="med"/>
+                    </a:lnT>
+                    <a:lnB w="12700" cap="flat" cmpd="sng" algn="ctr">
+                      <a:solidFill>
+                        <a:schemeClr val="tx1"/>
+                      </a:solidFill>
+                      <a:prstDash val="solid"/>
+                      <a:round/>
+                      <a:headEnd type="none" w="med" len="med"/>
+                      <a:tailEnd type="none" w="med" len="med"/>
+                    </a:lnB>
+                    <a:lnTlToBr w="12700" cmpd="sng">
+                      <a:noFill/>
+                      <a:prstDash val="solid"/>
+                    </a:lnTlToBr>
+                    <a:lnBlToTr w="12700" cmpd="sng">
+                      <a:noFill/>
+                      <a:prstDash val="solid"/>
+                    </a:lnBlToTr>
+                    <a:solidFill>
+                      <a:schemeClr val="bg1"/>
+                    </a:solidFill>
+                  </a:tcPr>
+                </a:tc>
+                <a:extLst>
+                  <a:ext uri="{0D108BD9-81ED-4DB2-BD59-A6C34878D82A}">
+                    <a16:rowId xmlns:a16="http://schemas.microsoft.com/office/drawing/2014/main" val="3871388272"/>
+                  </a:ext>
+                </a:extLst>
+              </a:tr>
+              <a:tr h="301670">
+                <a:tc>
+                  <a:txBody>
+                    <a:bodyPr/>
+                    <a:lstStyle/>
+                    <a:p>
+                      <a:pPr algn="ctr"/>
+                      <a:r>
+                        <a:rPr lang="en-US" dirty="0">
+                          <a:solidFill>
+                            <a:schemeClr val="tx1"/>
+                          </a:solidFill>
+                        </a:rPr>
+                        <a:t>D</a:t>
+                      </a:r>
+                      <a:endParaRPr lang="ru-RU" dirty="0">
+                        <a:solidFill>
+                          <a:schemeClr val="tx1"/>
+                        </a:solidFill>
+                      </a:endParaRPr>
+                    </a:p>
+                  </a:txBody>
+                  <a:tcPr>
+                    <a:lnL w="12700" cap="flat" cmpd="sng" algn="ctr">
+                      <a:solidFill>
+                        <a:schemeClr val="tx1"/>
+                      </a:solidFill>
+                      <a:prstDash val="solid"/>
+                      <a:round/>
+                      <a:headEnd type="none" w="med" len="med"/>
+                      <a:tailEnd type="none" w="med" len="med"/>
+                    </a:lnL>
+                    <a:lnR w="12700" cap="flat" cmpd="sng" algn="ctr">
+                      <a:solidFill>
+                        <a:schemeClr val="tx1"/>
+                      </a:solidFill>
+                      <a:prstDash val="solid"/>
+                      <a:round/>
+                      <a:headEnd type="none" w="med" len="med"/>
+                      <a:tailEnd type="none" w="med" len="med"/>
+                    </a:lnR>
+                    <a:lnT w="12700" cap="flat" cmpd="sng" algn="ctr">
+                      <a:solidFill>
+                        <a:schemeClr val="tx1"/>
+                      </a:solidFill>
+                      <a:prstDash val="solid"/>
+                      <a:round/>
+                      <a:headEnd type="none" w="med" len="med"/>
+                      <a:tailEnd type="none" w="med" len="med"/>
+                    </a:lnT>
+                    <a:lnB w="12700" cap="flat" cmpd="sng" algn="ctr">
+                      <a:solidFill>
+                        <a:schemeClr val="tx1"/>
+                      </a:solidFill>
+                      <a:prstDash val="solid"/>
+                      <a:round/>
+                      <a:headEnd type="none" w="med" len="med"/>
+                      <a:tailEnd type="none" w="med" len="med"/>
+                    </a:lnB>
+                    <a:lnTlToBr w="12700" cmpd="sng">
+                      <a:noFill/>
+                      <a:prstDash val="solid"/>
+                    </a:lnTlToBr>
+                    <a:lnBlToTr w="12700" cmpd="sng">
+                      <a:noFill/>
+                      <a:prstDash val="solid"/>
+                    </a:lnBlToTr>
+                    <a:solidFill>
+                      <a:schemeClr val="bg1"/>
+                    </a:solidFill>
+                  </a:tcPr>
+                </a:tc>
+                <a:extLst>
+                  <a:ext uri="{0D108BD9-81ED-4DB2-BD59-A6C34878D82A}">
+                    <a16:rowId xmlns:a16="http://schemas.microsoft.com/office/drawing/2014/main" val="3525745541"/>
+                  </a:ext>
+                </a:extLst>
+              </a:tr>
+              <a:tr h="301670">
+                <a:tc>
+                  <a:txBody>
+                    <a:bodyPr/>
+                    <a:lstStyle/>
+                    <a:p>
+                      <a:pPr algn="ctr"/>
+                      <a:r>
+                        <a:rPr lang="en-US" dirty="0">
+                          <a:solidFill>
+                            <a:schemeClr val="tx1"/>
+                          </a:solidFill>
+                        </a:rPr>
+                        <a:t>E</a:t>
+                      </a:r>
+                      <a:endParaRPr lang="ru-RU" dirty="0">
+                        <a:solidFill>
+                          <a:schemeClr val="tx1"/>
+                        </a:solidFill>
+                      </a:endParaRPr>
+                    </a:p>
+                  </a:txBody>
+                  <a:tcPr>
+                    <a:lnL w="12700" cap="flat" cmpd="sng" algn="ctr">
+                      <a:solidFill>
+                        <a:schemeClr val="tx1"/>
+                      </a:solidFill>
+                      <a:prstDash val="solid"/>
+                      <a:round/>
+                      <a:headEnd type="none" w="med" len="med"/>
+                      <a:tailEnd type="none" w="med" len="med"/>
+                    </a:lnL>
+                    <a:lnR w="12700" cap="flat" cmpd="sng" algn="ctr">
+                      <a:solidFill>
+                        <a:schemeClr val="tx1"/>
+                      </a:solidFill>
+                      <a:prstDash val="solid"/>
+                      <a:round/>
+                      <a:headEnd type="none" w="med" len="med"/>
+                      <a:tailEnd type="none" w="med" len="med"/>
+                    </a:lnR>
+                    <a:lnT w="12700" cap="flat" cmpd="sng" algn="ctr">
+                      <a:solidFill>
+                        <a:schemeClr val="tx1"/>
+                      </a:solidFill>
+                      <a:prstDash val="solid"/>
+                      <a:round/>
+                      <a:headEnd type="none" w="med" len="med"/>
+                      <a:tailEnd type="none" w="med" len="med"/>
+                    </a:lnT>
+                    <a:lnB w="12700" cap="flat" cmpd="sng" algn="ctr">
+                      <a:solidFill>
+                        <a:schemeClr val="tx1"/>
+                      </a:solidFill>
+                      <a:prstDash val="solid"/>
+                      <a:round/>
+                      <a:headEnd type="none" w="med" len="med"/>
+                      <a:tailEnd type="none" w="med" len="med"/>
+                    </a:lnB>
+                    <a:lnTlToBr w="12700" cmpd="sng">
+                      <a:noFill/>
+                      <a:prstDash val="solid"/>
+                    </a:lnTlToBr>
+                    <a:lnBlToTr w="12700" cmpd="sng">
+                      <a:noFill/>
+                      <a:prstDash val="solid"/>
+                    </a:lnBlToTr>
+                    <a:solidFill>
+                      <a:schemeClr val="bg1"/>
+                    </a:solidFill>
+                  </a:tcPr>
+                </a:tc>
+                <a:extLst>
+                  <a:ext uri="{0D108BD9-81ED-4DB2-BD59-A6C34878D82A}">
+                    <a16:rowId xmlns:a16="http://schemas.microsoft.com/office/drawing/2014/main" val="247008469"/>
+                  </a:ext>
+                </a:extLst>
+              </a:tr>
+              <a:tr h="301670">
+                <a:tc>
+                  <a:txBody>
+                    <a:bodyPr/>
+                    <a:lstStyle/>
+                    <a:p>
+                      <a:pPr algn="ctr"/>
+                      <a:r>
+                        <a:rPr lang="en-US" dirty="0">
+                          <a:solidFill>
+                            <a:schemeClr val="tx1"/>
+                          </a:solidFill>
+                        </a:rPr>
+                        <a:t>C</a:t>
+                      </a:r>
+                      <a:endParaRPr lang="ru-RU" dirty="0">
+                        <a:solidFill>
+                          <a:schemeClr val="tx1"/>
+                        </a:solidFill>
+                      </a:endParaRPr>
+                    </a:p>
+                  </a:txBody>
+                  <a:tcPr>
+                    <a:lnL w="12700" cap="flat" cmpd="sng" algn="ctr">
+                      <a:solidFill>
+                        <a:schemeClr val="tx1"/>
+                      </a:solidFill>
+                      <a:prstDash val="solid"/>
+                      <a:round/>
+                      <a:headEnd type="none" w="med" len="med"/>
+                      <a:tailEnd type="none" w="med" len="med"/>
+                    </a:lnL>
+                    <a:lnR w="12700" cap="flat" cmpd="sng" algn="ctr">
+                      <a:solidFill>
+                        <a:schemeClr val="tx1"/>
+                      </a:solidFill>
+                      <a:prstDash val="solid"/>
+                      <a:round/>
+                      <a:headEnd type="none" w="med" len="med"/>
+                      <a:tailEnd type="none" w="med" len="med"/>
+                    </a:lnR>
+                    <a:lnT w="12700" cap="flat" cmpd="sng" algn="ctr">
+                      <a:solidFill>
+                        <a:schemeClr val="tx1"/>
+                      </a:solidFill>
+                      <a:prstDash val="solid"/>
+                      <a:round/>
+                      <a:headEnd type="none" w="med" len="med"/>
+                      <a:tailEnd type="none" w="med" len="med"/>
+                    </a:lnT>
+                    <a:lnB w="12700" cap="flat" cmpd="sng" algn="ctr">
+                      <a:solidFill>
+                        <a:schemeClr val="tx1"/>
+                      </a:solidFill>
+                      <a:prstDash val="solid"/>
+                      <a:round/>
+                      <a:headEnd type="none" w="med" len="med"/>
+                      <a:tailEnd type="none" w="med" len="med"/>
+                    </a:lnB>
+                    <a:lnTlToBr w="12700" cmpd="sng">
+                      <a:noFill/>
+                      <a:prstDash val="solid"/>
+                    </a:lnTlToBr>
+                    <a:lnBlToTr w="12700" cmpd="sng">
+                      <a:noFill/>
+                      <a:prstDash val="solid"/>
+                    </a:lnBlToTr>
+                    <a:solidFill>
+                      <a:schemeClr val="bg1"/>
+                    </a:solidFill>
+                  </a:tcPr>
+                </a:tc>
+                <a:extLst>
+                  <a:ext uri="{0D108BD9-81ED-4DB2-BD59-A6C34878D82A}">
+                    <a16:rowId xmlns:a16="http://schemas.microsoft.com/office/drawing/2014/main" val="2737849914"/>
+                  </a:ext>
+                </a:extLst>
+              </a:tr>
+            </a:tbl>
+          </a:graphicData>
+        </a:graphic>
+      </p:graphicFrame>
+      <p:cxnSp>
+        <p:nvCxnSpPr>
+          <p:cNvPr id="8" name="Прямая со стрелкой 7">
+            <a:extLst>
+              <a:ext uri="{FF2B5EF4-FFF2-40B4-BE49-F238E27FC236}">
+                <a16:creationId xmlns:a16="http://schemas.microsoft.com/office/drawing/2014/main" id="{F216E49B-C704-403D-A017-AAF528504169}"/>
+              </a:ext>
+            </a:extLst>
+          </p:cNvPr>
+          <p:cNvCxnSpPr/>
+          <p:nvPr/>
+        </p:nvCxnSpPr>
+        <p:spPr>
+          <a:xfrm>
+            <a:off x="1717568" y="2086252"/>
+            <a:ext cx="643892" cy="0"/>
+          </a:xfrm>
+          <a:prstGeom prst="straightConnector1">
+            <a:avLst/>
+          </a:prstGeom>
+          <a:ln>
+            <a:tailEnd type="triangle"/>
+          </a:ln>
+        </p:spPr>
+        <p:style>
+          <a:lnRef idx="1">
+            <a:schemeClr val="accent1"/>
+          </a:lnRef>
+          <a:fillRef idx="0">
+            <a:schemeClr val="accent1"/>
+          </a:fillRef>
+          <a:effectRef idx="0">
+            <a:schemeClr val="accent1"/>
+          </a:effectRef>
+          <a:fontRef idx="minor">
+            <a:schemeClr val="tx1"/>
+          </a:fontRef>
+        </p:style>
+      </p:cxnSp>
+      <p:cxnSp>
+        <p:nvCxnSpPr>
+          <p:cNvPr id="10" name="Прямая со стрелкой 9">
+            <a:extLst>
+              <a:ext uri="{FF2B5EF4-FFF2-40B4-BE49-F238E27FC236}">
+                <a16:creationId xmlns:a16="http://schemas.microsoft.com/office/drawing/2014/main" id="{26D9008E-0BE0-425A-A4D3-0CF4FA27E644}"/>
+              </a:ext>
+            </a:extLst>
+          </p:cNvPr>
+          <p:cNvCxnSpPr/>
+          <p:nvPr/>
+        </p:nvCxnSpPr>
+        <p:spPr>
+          <a:xfrm>
+            <a:off x="1624614" y="2441359"/>
+            <a:ext cx="736846" cy="0"/>
+          </a:xfrm>
+          <a:prstGeom prst="straightConnector1">
+            <a:avLst/>
+          </a:prstGeom>
+          <a:ln>
+            <a:tailEnd type="triangle"/>
+          </a:ln>
+        </p:spPr>
+        <p:style>
+          <a:lnRef idx="1">
+            <a:schemeClr val="accent1"/>
+          </a:lnRef>
+          <a:fillRef idx="0">
+            <a:schemeClr val="accent1"/>
+          </a:fillRef>
+          <a:effectRef idx="0">
+            <a:schemeClr val="accent1"/>
+          </a:effectRef>
+          <a:fontRef idx="minor">
+            <a:schemeClr val="tx1"/>
+          </a:fontRef>
+        </p:style>
+      </p:cxnSp>
+      <p:cxnSp>
+        <p:nvCxnSpPr>
+          <p:cNvPr id="12" name="Прямая со стрелкой 11">
+            <a:extLst>
+              <a:ext uri="{FF2B5EF4-FFF2-40B4-BE49-F238E27FC236}">
+                <a16:creationId xmlns:a16="http://schemas.microsoft.com/office/drawing/2014/main" id="{7BFD41DF-F223-454E-82BC-8FFEE9B9F5D8}"/>
+              </a:ext>
+            </a:extLst>
+          </p:cNvPr>
+          <p:cNvCxnSpPr/>
+          <p:nvPr/>
+        </p:nvCxnSpPr>
+        <p:spPr>
+          <a:xfrm>
+            <a:off x="1633491" y="2829908"/>
+            <a:ext cx="727969" cy="703405"/>
+          </a:xfrm>
+          <a:prstGeom prst="straightConnector1">
+            <a:avLst/>
+          </a:prstGeom>
+          <a:ln>
+            <a:tailEnd type="triangle"/>
+          </a:ln>
+        </p:spPr>
+        <p:style>
+          <a:lnRef idx="1">
+            <a:schemeClr val="accent1"/>
+          </a:lnRef>
+          <a:fillRef idx="0">
+            <a:schemeClr val="accent1"/>
+          </a:fillRef>
+          <a:effectRef idx="0">
+            <a:schemeClr val="accent1"/>
+          </a:effectRef>
+          <a:fontRef idx="minor">
+            <a:schemeClr val="tx1"/>
+          </a:fontRef>
+        </p:style>
+      </p:cxnSp>
+      <p:cxnSp>
+        <p:nvCxnSpPr>
+          <p:cNvPr id="14" name="Прямая со стрелкой 13">
+            <a:extLst>
+              <a:ext uri="{FF2B5EF4-FFF2-40B4-BE49-F238E27FC236}">
+                <a16:creationId xmlns:a16="http://schemas.microsoft.com/office/drawing/2014/main" id="{8EF10EDA-9DFF-4BCA-B3DF-FA909F901117}"/>
+              </a:ext>
+            </a:extLst>
+          </p:cNvPr>
+          <p:cNvCxnSpPr/>
+          <p:nvPr/>
+        </p:nvCxnSpPr>
+        <p:spPr>
+          <a:xfrm flipV="1">
+            <a:off x="1518082" y="2829908"/>
+            <a:ext cx="949910" cy="392686"/>
+          </a:xfrm>
+          <a:prstGeom prst="straightConnector1">
+            <a:avLst/>
+          </a:prstGeom>
+          <a:ln>
+            <a:tailEnd type="triangle"/>
+          </a:ln>
+        </p:spPr>
+        <p:style>
+          <a:lnRef idx="1">
+            <a:schemeClr val="accent1"/>
+          </a:lnRef>
+          <a:fillRef idx="0">
+            <a:schemeClr val="accent1"/>
+          </a:fillRef>
+          <a:effectRef idx="0">
+            <a:schemeClr val="accent1"/>
+          </a:effectRef>
+          <a:fontRef idx="minor">
+            <a:schemeClr val="tx1"/>
+          </a:fontRef>
+        </p:style>
+      </p:cxnSp>
+      <p:cxnSp>
+        <p:nvCxnSpPr>
+          <p:cNvPr id="16" name="Прямая со стрелкой 15">
+            <a:extLst>
+              <a:ext uri="{FF2B5EF4-FFF2-40B4-BE49-F238E27FC236}">
+                <a16:creationId xmlns:a16="http://schemas.microsoft.com/office/drawing/2014/main" id="{7D19664C-BEDC-47D2-A3FF-81FE7DEF0E93}"/>
+              </a:ext>
+            </a:extLst>
+          </p:cNvPr>
+          <p:cNvCxnSpPr>
+            <a:cxnSpLocks/>
+          </p:cNvCxnSpPr>
+          <p:nvPr/>
+        </p:nvCxnSpPr>
+        <p:spPr>
+          <a:xfrm flipV="1">
+            <a:off x="1619480" y="3181611"/>
+            <a:ext cx="741980" cy="429531"/>
+          </a:xfrm>
+          <a:prstGeom prst="straightConnector1">
+            <a:avLst/>
+          </a:prstGeom>
+          <a:ln>
+            <a:tailEnd type="triangle"/>
+          </a:ln>
+        </p:spPr>
+        <p:style>
+          <a:lnRef idx="1">
+            <a:schemeClr val="accent1"/>
+          </a:lnRef>
+          <a:fillRef idx="0">
+            <a:schemeClr val="accent1"/>
+          </a:fillRef>
+          <a:effectRef idx="0">
+            <a:schemeClr val="accent1"/>
+          </a:effectRef>
+          <a:fontRef idx="minor">
+            <a:schemeClr val="tx1"/>
+          </a:fontRef>
+        </p:style>
+      </p:cxnSp>
+      <p:graphicFrame>
+        <p:nvGraphicFramePr>
+          <p:cNvPr id="19" name="Таблица 18">
+            <a:extLst>
+              <a:ext uri="{FF2B5EF4-FFF2-40B4-BE49-F238E27FC236}">
+                <a16:creationId xmlns:a16="http://schemas.microsoft.com/office/drawing/2014/main" id="{7C8752FE-48A3-4A15-BEFB-265405FC74E7}"/>
+              </a:ext>
+            </a:extLst>
+          </p:cNvPr>
+          <p:cNvGraphicFramePr>
+            <a:graphicFrameLocks noGrp="1"/>
+          </p:cNvGraphicFramePr>
+          <p:nvPr>
+            <p:extLst>
+              <p:ext uri="{D42A27DB-BD31-4B8C-83A1-F6EECF244321}">
+                <p14:modId xmlns:p14="http://schemas.microsoft.com/office/powerpoint/2010/main" val="3146989982"/>
+              </p:ext>
+            </p:extLst>
+          </p:nvPr>
+        </p:nvGraphicFramePr>
+        <p:xfrm>
+          <a:off x="228211" y="1910916"/>
+          <a:ext cx="668174" cy="1837983"/>
+        </p:xfrm>
+        <a:graphic>
+          <a:graphicData uri="http://schemas.openxmlformats.org/drawingml/2006/table">
+            <a:tbl>
+              <a:tblPr firstRow="1" bandRow="1">
+                <a:tableStyleId>{5C22544A-7EE6-4342-B048-85BDC9FD1C3A}</a:tableStyleId>
+              </a:tblPr>
+              <a:tblGrid>
+                <a:gridCol w="668174">
+                  <a:extLst>
+                    <a:ext uri="{9D8B030D-6E8A-4147-A177-3AD203B41FA5}">
+                      <a16:colId xmlns:a16="http://schemas.microsoft.com/office/drawing/2014/main" val="2131970869"/>
+                    </a:ext>
+                  </a:extLst>
+                </a:gridCol>
+              </a:tblGrid>
+              <a:tr h="374943">
+                <a:tc>
+                  <a:txBody>
+                    <a:bodyPr/>
+                    <a:lstStyle/>
+                    <a:p>
+                      <a:pPr algn="ctr"/>
+                      <a:r>
+                        <a:rPr lang="en-US" b="0" dirty="0">
+                          <a:solidFill>
+                            <a:schemeClr val="tx1"/>
+                          </a:solidFill>
+                        </a:rPr>
+                        <a:t>0</a:t>
+                      </a:r>
+                      <a:endParaRPr lang="ru-RU" b="0" dirty="0">
+                        <a:solidFill>
+                          <a:schemeClr val="tx1"/>
+                        </a:solidFill>
+                      </a:endParaRPr>
+                    </a:p>
+                  </a:txBody>
+                  <a:tcPr>
+                    <a:lnL w="12700" cap="flat" cmpd="sng" algn="ctr">
+                      <a:noFill/>
+                      <a:prstDash val="solid"/>
+                      <a:round/>
+                      <a:headEnd type="none" w="med" len="med"/>
+                      <a:tailEnd type="none" w="med" len="med"/>
+                    </a:lnL>
+                    <a:lnR w="12700" cap="flat" cmpd="sng" algn="ctr">
+                      <a:noFill/>
+                      <a:prstDash val="solid"/>
+                      <a:round/>
+                      <a:headEnd type="none" w="med" len="med"/>
+                      <a:tailEnd type="none" w="med" len="med"/>
+                    </a:lnR>
+                    <a:lnT w="12700" cap="flat" cmpd="sng" algn="ctr">
+                      <a:noFill/>
+                      <a:prstDash val="solid"/>
+                      <a:round/>
+                      <a:headEnd type="none" w="med" len="med"/>
+                      <a:tailEnd type="none" w="med" len="med"/>
+                    </a:lnT>
+                    <a:lnB w="12700" cap="flat" cmpd="sng" algn="ctr">
+                      <a:noFill/>
+                      <a:prstDash val="solid"/>
+                      <a:round/>
+                      <a:headEnd type="none" w="med" len="med"/>
+                      <a:tailEnd type="none" w="med" len="med"/>
+                    </a:lnB>
+                    <a:lnTlToBr w="12700" cmpd="sng">
+                      <a:noFill/>
+                      <a:prstDash val="solid"/>
+                    </a:lnTlToBr>
+                    <a:lnBlToTr w="12700" cmpd="sng">
+                      <a:noFill/>
+                      <a:prstDash val="solid"/>
+                    </a:lnBlToTr>
+                    <a:solidFill>
+                      <a:schemeClr val="bg1"/>
+                    </a:solidFill>
+                  </a:tcPr>
+                </a:tc>
+                <a:extLst>
+                  <a:ext uri="{0D108BD9-81ED-4DB2-BD59-A6C34878D82A}">
+                    <a16:rowId xmlns:a16="http://schemas.microsoft.com/office/drawing/2014/main" val="3621552430"/>
+                  </a:ext>
+                </a:extLst>
+              </a:tr>
+              <a:tr h="0">
+                <a:tc>
+                  <a:txBody>
+                    <a:bodyPr/>
+                    <a:lstStyle/>
+                    <a:p>
+                      <a:pPr algn="ctr"/>
+                      <a:r>
+                        <a:rPr lang="en-US" dirty="0">
+                          <a:solidFill>
+                            <a:schemeClr val="tx1"/>
+                          </a:solidFill>
+                        </a:rPr>
+                        <a:t>1</a:t>
+                      </a:r>
+                      <a:endParaRPr lang="ru-RU" dirty="0">
+                        <a:solidFill>
+                          <a:schemeClr val="tx1"/>
+                        </a:solidFill>
+                      </a:endParaRPr>
+                    </a:p>
+                  </a:txBody>
+                  <a:tcPr>
+                    <a:lnL w="12700" cap="flat" cmpd="sng" algn="ctr">
+                      <a:noFill/>
+                      <a:prstDash val="solid"/>
+                      <a:round/>
+                      <a:headEnd type="none" w="med" len="med"/>
+                      <a:tailEnd type="none" w="med" len="med"/>
+                    </a:lnL>
+                    <a:lnR w="12700" cap="flat" cmpd="sng" algn="ctr">
+                      <a:noFill/>
+                      <a:prstDash val="solid"/>
+                      <a:round/>
+                      <a:headEnd type="none" w="med" len="med"/>
+                      <a:tailEnd type="none" w="med" len="med"/>
+                    </a:lnR>
+                    <a:lnT w="12700" cap="flat" cmpd="sng" algn="ctr">
+                      <a:noFill/>
+                      <a:prstDash val="solid"/>
+                      <a:round/>
+                      <a:headEnd type="none" w="med" len="med"/>
+                      <a:tailEnd type="none" w="med" len="med"/>
+                    </a:lnT>
+                    <a:lnB w="12700" cap="flat" cmpd="sng" algn="ctr">
+                      <a:noFill/>
+                      <a:prstDash val="solid"/>
+                      <a:round/>
+                      <a:headEnd type="none" w="med" len="med"/>
+                      <a:tailEnd type="none" w="med" len="med"/>
+                    </a:lnB>
+                    <a:lnTlToBr w="12700" cmpd="sng">
+                      <a:noFill/>
+                      <a:prstDash val="solid"/>
+                    </a:lnTlToBr>
+                    <a:lnBlToTr w="12700" cmpd="sng">
+                      <a:noFill/>
+                      <a:prstDash val="solid"/>
+                    </a:lnBlToTr>
+                    <a:solidFill>
+                      <a:schemeClr val="bg1"/>
+                    </a:solidFill>
+                  </a:tcPr>
+                </a:tc>
+                <a:extLst>
+                  <a:ext uri="{0D108BD9-81ED-4DB2-BD59-A6C34878D82A}">
+                    <a16:rowId xmlns:a16="http://schemas.microsoft.com/office/drawing/2014/main" val="3871388272"/>
+                  </a:ext>
+                </a:extLst>
+              </a:tr>
+              <a:tr h="301670">
+                <a:tc>
+                  <a:txBody>
+                    <a:bodyPr/>
+                    <a:lstStyle/>
+                    <a:p>
+                      <a:pPr algn="ctr"/>
+                      <a:r>
+                        <a:rPr lang="en-US" dirty="0">
+                          <a:solidFill>
+                            <a:schemeClr val="tx1"/>
+                          </a:solidFill>
+                        </a:rPr>
+                        <a:t>2</a:t>
+                      </a:r>
+                      <a:endParaRPr lang="ru-RU" dirty="0">
+                        <a:solidFill>
+                          <a:schemeClr val="tx1"/>
+                        </a:solidFill>
+                      </a:endParaRPr>
+                    </a:p>
+                  </a:txBody>
+                  <a:tcPr>
+                    <a:lnL w="12700" cap="flat" cmpd="sng" algn="ctr">
+                      <a:noFill/>
+                      <a:prstDash val="solid"/>
+                      <a:round/>
+                      <a:headEnd type="none" w="med" len="med"/>
+                      <a:tailEnd type="none" w="med" len="med"/>
+                    </a:lnL>
+                    <a:lnR w="12700" cap="flat" cmpd="sng" algn="ctr">
+                      <a:noFill/>
+                      <a:prstDash val="solid"/>
+                      <a:round/>
+                      <a:headEnd type="none" w="med" len="med"/>
+                      <a:tailEnd type="none" w="med" len="med"/>
+                    </a:lnR>
+                    <a:lnT w="12700" cap="flat" cmpd="sng" algn="ctr">
+                      <a:noFill/>
+                      <a:prstDash val="solid"/>
+                      <a:round/>
+                      <a:headEnd type="none" w="med" len="med"/>
+                      <a:tailEnd type="none" w="med" len="med"/>
+                    </a:lnT>
+                    <a:lnB w="12700" cap="flat" cmpd="sng" algn="ctr">
+                      <a:noFill/>
+                      <a:prstDash val="solid"/>
+                      <a:round/>
+                      <a:headEnd type="none" w="med" len="med"/>
+                      <a:tailEnd type="none" w="med" len="med"/>
+                    </a:lnB>
+                    <a:lnTlToBr w="12700" cmpd="sng">
+                      <a:noFill/>
+                      <a:prstDash val="solid"/>
+                    </a:lnTlToBr>
+                    <a:lnBlToTr w="12700" cmpd="sng">
+                      <a:noFill/>
+                      <a:prstDash val="solid"/>
+                    </a:lnBlToTr>
+                    <a:solidFill>
+                      <a:schemeClr val="bg1"/>
+                    </a:solidFill>
+                  </a:tcPr>
+                </a:tc>
+                <a:extLst>
+                  <a:ext uri="{0D108BD9-81ED-4DB2-BD59-A6C34878D82A}">
+                    <a16:rowId xmlns:a16="http://schemas.microsoft.com/office/drawing/2014/main" val="3525745541"/>
+                  </a:ext>
+                </a:extLst>
+              </a:tr>
+              <a:tr h="301670">
+                <a:tc>
+                  <a:txBody>
+                    <a:bodyPr/>
+                    <a:lstStyle/>
+                    <a:p>
+                      <a:pPr algn="ctr"/>
+                      <a:r>
+                        <a:rPr lang="en-US" dirty="0">
+                          <a:solidFill>
+                            <a:schemeClr val="tx1"/>
+                          </a:solidFill>
+                        </a:rPr>
+                        <a:t>3</a:t>
+                      </a:r>
+                      <a:endParaRPr lang="ru-RU" dirty="0">
+                        <a:solidFill>
+                          <a:schemeClr val="tx1"/>
+                        </a:solidFill>
+                      </a:endParaRPr>
+                    </a:p>
+                  </a:txBody>
+                  <a:tcPr>
+                    <a:lnL w="12700" cap="flat" cmpd="sng" algn="ctr">
+                      <a:noFill/>
+                      <a:prstDash val="solid"/>
+                      <a:round/>
+                      <a:headEnd type="none" w="med" len="med"/>
+                      <a:tailEnd type="none" w="med" len="med"/>
+                    </a:lnL>
+                    <a:lnR w="12700" cap="flat" cmpd="sng" algn="ctr">
+                      <a:noFill/>
+                      <a:prstDash val="solid"/>
+                      <a:round/>
+                      <a:headEnd type="none" w="med" len="med"/>
+                      <a:tailEnd type="none" w="med" len="med"/>
+                    </a:lnR>
+                    <a:lnT w="12700" cap="flat" cmpd="sng" algn="ctr">
+                      <a:noFill/>
+                      <a:prstDash val="solid"/>
+                      <a:round/>
+                      <a:headEnd type="none" w="med" len="med"/>
+                      <a:tailEnd type="none" w="med" len="med"/>
+                    </a:lnT>
+                    <a:lnB w="12700" cap="flat" cmpd="sng" algn="ctr">
+                      <a:noFill/>
+                      <a:prstDash val="solid"/>
+                      <a:round/>
+                      <a:headEnd type="none" w="med" len="med"/>
+                      <a:tailEnd type="none" w="med" len="med"/>
+                    </a:lnB>
+                    <a:lnTlToBr w="12700" cmpd="sng">
+                      <a:noFill/>
+                      <a:prstDash val="solid"/>
+                    </a:lnTlToBr>
+                    <a:lnBlToTr w="12700" cmpd="sng">
+                      <a:noFill/>
+                      <a:prstDash val="solid"/>
+                    </a:lnBlToTr>
+                    <a:solidFill>
+                      <a:schemeClr val="bg1"/>
+                    </a:solidFill>
+                  </a:tcPr>
+                </a:tc>
+                <a:extLst>
+                  <a:ext uri="{0D108BD9-81ED-4DB2-BD59-A6C34878D82A}">
+                    <a16:rowId xmlns:a16="http://schemas.microsoft.com/office/drawing/2014/main" val="247008469"/>
+                  </a:ext>
+                </a:extLst>
+              </a:tr>
+              <a:tr h="301670">
+                <a:tc>
+                  <a:txBody>
+                    <a:bodyPr/>
+                    <a:lstStyle/>
+                    <a:p>
+                      <a:pPr algn="ctr"/>
+                      <a:r>
+                        <a:rPr lang="en-US" dirty="0">
+                          <a:solidFill>
+                            <a:schemeClr val="tx1"/>
+                          </a:solidFill>
+                        </a:rPr>
+                        <a:t>4</a:t>
+                      </a:r>
+                      <a:endParaRPr lang="ru-RU" dirty="0">
+                        <a:solidFill>
+                          <a:schemeClr val="tx1"/>
+                        </a:solidFill>
+                      </a:endParaRPr>
+                    </a:p>
+                  </a:txBody>
+                  <a:tcPr>
+                    <a:lnL w="12700" cap="flat" cmpd="sng" algn="ctr">
+                      <a:noFill/>
+                      <a:prstDash val="solid"/>
+                      <a:round/>
+                      <a:headEnd type="none" w="med" len="med"/>
+                      <a:tailEnd type="none" w="med" len="med"/>
+                    </a:lnL>
+                    <a:lnR w="12700" cap="flat" cmpd="sng" algn="ctr">
+                      <a:noFill/>
+                      <a:prstDash val="solid"/>
+                      <a:round/>
+                      <a:headEnd type="none" w="med" len="med"/>
+                      <a:tailEnd type="none" w="med" len="med"/>
+                    </a:lnR>
+                    <a:lnT w="12700" cap="flat" cmpd="sng" algn="ctr">
+                      <a:noFill/>
+                      <a:prstDash val="solid"/>
+                      <a:round/>
+                      <a:headEnd type="none" w="med" len="med"/>
+                      <a:tailEnd type="none" w="med" len="med"/>
+                    </a:lnT>
+                    <a:lnB w="12700" cap="flat" cmpd="sng" algn="ctr">
+                      <a:noFill/>
+                      <a:prstDash val="solid"/>
+                      <a:round/>
+                      <a:headEnd type="none" w="med" len="med"/>
+                      <a:tailEnd type="none" w="med" len="med"/>
+                    </a:lnB>
+                    <a:lnTlToBr w="12700" cmpd="sng">
+                      <a:noFill/>
+                      <a:prstDash val="solid"/>
+                    </a:lnTlToBr>
+                    <a:lnBlToTr w="12700" cmpd="sng">
+                      <a:noFill/>
+                      <a:prstDash val="solid"/>
+                    </a:lnBlToTr>
+                    <a:solidFill>
+                      <a:schemeClr val="bg1"/>
+                    </a:solidFill>
+                  </a:tcPr>
+                </a:tc>
+                <a:extLst>
+                  <a:ext uri="{0D108BD9-81ED-4DB2-BD59-A6C34878D82A}">
+                    <a16:rowId xmlns:a16="http://schemas.microsoft.com/office/drawing/2014/main" val="2737849914"/>
+                  </a:ext>
+                </a:extLst>
+              </a:tr>
+            </a:tbl>
+          </a:graphicData>
+        </a:graphic>
+      </p:graphicFrame>
+      <p:graphicFrame>
+        <p:nvGraphicFramePr>
+          <p:cNvPr id="20" name="Таблица 19">
+            <a:extLst>
+              <a:ext uri="{FF2B5EF4-FFF2-40B4-BE49-F238E27FC236}">
+                <a16:creationId xmlns:a16="http://schemas.microsoft.com/office/drawing/2014/main" id="{5FE10DBD-2A21-4BF3-B663-C071BECB4CC5}"/>
+              </a:ext>
+            </a:extLst>
+          </p:cNvPr>
+          <p:cNvGraphicFramePr>
+            <a:graphicFrameLocks noGrp="1"/>
+          </p:cNvGraphicFramePr>
+          <p:nvPr>
+            <p:extLst>
+              <p:ext uri="{D42A27DB-BD31-4B8C-83A1-F6EECF244321}">
+                <p14:modId xmlns:p14="http://schemas.microsoft.com/office/powerpoint/2010/main" val="794412640"/>
+              </p:ext>
+            </p:extLst>
+          </p:nvPr>
+        </p:nvGraphicFramePr>
+        <p:xfrm>
+          <a:off x="3467080" y="1910916"/>
+          <a:ext cx="668174" cy="1837983"/>
+        </p:xfrm>
+        <a:graphic>
+          <a:graphicData uri="http://schemas.openxmlformats.org/drawingml/2006/table">
+            <a:tbl>
+              <a:tblPr firstRow="1" bandRow="1">
+                <a:tableStyleId>{5C22544A-7EE6-4342-B048-85BDC9FD1C3A}</a:tableStyleId>
+              </a:tblPr>
+              <a:tblGrid>
+                <a:gridCol w="668174">
+                  <a:extLst>
+                    <a:ext uri="{9D8B030D-6E8A-4147-A177-3AD203B41FA5}">
+                      <a16:colId xmlns:a16="http://schemas.microsoft.com/office/drawing/2014/main" val="2131970869"/>
+                    </a:ext>
+                  </a:extLst>
+                </a:gridCol>
+              </a:tblGrid>
+              <a:tr h="374943">
+                <a:tc>
+                  <a:txBody>
+                    <a:bodyPr/>
+                    <a:lstStyle/>
+                    <a:p>
+                      <a:pPr algn="ctr"/>
+                      <a:r>
+                        <a:rPr lang="en-US" b="0" dirty="0">
+                          <a:solidFill>
+                            <a:schemeClr val="tx1"/>
+                          </a:solidFill>
+                        </a:rPr>
+                        <a:t>B</a:t>
+                      </a:r>
+                      <a:endParaRPr lang="ru-RU" b="0" dirty="0">
+                        <a:solidFill>
+                          <a:schemeClr val="tx1"/>
+                        </a:solidFill>
+                      </a:endParaRPr>
+                    </a:p>
+                  </a:txBody>
+                  <a:tcPr>
+                    <a:lnL w="12700" cap="flat" cmpd="sng" algn="ctr">
+                      <a:solidFill>
+                        <a:schemeClr val="tx1"/>
+                      </a:solidFill>
+                      <a:prstDash val="solid"/>
+                      <a:round/>
+                      <a:headEnd type="none" w="med" len="med"/>
+                      <a:tailEnd type="none" w="med" len="med"/>
+                    </a:lnL>
+                    <a:lnR w="12700" cap="flat" cmpd="sng" algn="ctr">
+                      <a:solidFill>
+                        <a:schemeClr val="tx1"/>
+                      </a:solidFill>
+                      <a:prstDash val="solid"/>
+                      <a:round/>
+                      <a:headEnd type="none" w="med" len="med"/>
+                      <a:tailEnd type="none" w="med" len="med"/>
+                    </a:lnR>
+                    <a:lnT w="12700" cap="flat" cmpd="sng" algn="ctr">
+                      <a:solidFill>
+                        <a:schemeClr val="tx1"/>
+                      </a:solidFill>
+                      <a:prstDash val="solid"/>
+                      <a:round/>
+                      <a:headEnd type="none" w="med" len="med"/>
+                      <a:tailEnd type="none" w="med" len="med"/>
+                    </a:lnT>
+                    <a:lnB w="12700" cap="flat" cmpd="sng" algn="ctr">
+                      <a:solidFill>
+                        <a:schemeClr val="tx1"/>
+                      </a:solidFill>
+                      <a:prstDash val="solid"/>
+                      <a:round/>
+                      <a:headEnd type="none" w="med" len="med"/>
+                      <a:tailEnd type="none" w="med" len="med"/>
+                    </a:lnB>
+                    <a:lnTlToBr w="12700" cmpd="sng">
+                      <a:noFill/>
+                      <a:prstDash val="solid"/>
+                    </a:lnTlToBr>
+                    <a:lnBlToTr w="12700" cmpd="sng">
+                      <a:noFill/>
+                      <a:prstDash val="solid"/>
+                    </a:lnBlToTr>
+                    <a:solidFill>
+                      <a:schemeClr val="bg1"/>
+                    </a:solidFill>
+                  </a:tcPr>
+                </a:tc>
+                <a:extLst>
+                  <a:ext uri="{0D108BD9-81ED-4DB2-BD59-A6C34878D82A}">
+                    <a16:rowId xmlns:a16="http://schemas.microsoft.com/office/drawing/2014/main" val="3621552430"/>
+                  </a:ext>
+                </a:extLst>
+              </a:tr>
+              <a:tr h="0">
+                <a:tc>
+                  <a:txBody>
+                    <a:bodyPr/>
+                    <a:lstStyle/>
+                    <a:p>
+                      <a:pPr algn="ctr"/>
+                      <a:r>
+                        <a:rPr lang="en-US" dirty="0">
+                          <a:solidFill>
+                            <a:schemeClr val="tx1"/>
+                          </a:solidFill>
+                        </a:rPr>
+                        <a:t>A</a:t>
+                      </a:r>
+                      <a:endParaRPr lang="ru-RU" dirty="0">
+                        <a:solidFill>
+                          <a:schemeClr val="tx1"/>
+                        </a:solidFill>
+                      </a:endParaRPr>
+                    </a:p>
+                  </a:txBody>
+                  <a:tcPr>
+                    <a:lnL w="12700" cap="flat" cmpd="sng" algn="ctr">
+                      <a:solidFill>
+                        <a:schemeClr val="tx1"/>
+                      </a:solidFill>
+                      <a:prstDash val="solid"/>
+                      <a:round/>
+                      <a:headEnd type="none" w="med" len="med"/>
+                      <a:tailEnd type="none" w="med" len="med"/>
+                    </a:lnL>
+                    <a:lnR w="12700" cap="flat" cmpd="sng" algn="ctr">
+                      <a:solidFill>
+                        <a:schemeClr val="tx1"/>
+                      </a:solidFill>
+                      <a:prstDash val="solid"/>
+                      <a:round/>
+                      <a:headEnd type="none" w="med" len="med"/>
+                      <a:tailEnd type="none" w="med" len="med"/>
+                    </a:lnR>
+                    <a:lnT w="12700" cap="flat" cmpd="sng" algn="ctr">
+                      <a:solidFill>
+                        <a:schemeClr val="tx1"/>
+                      </a:solidFill>
+                      <a:prstDash val="solid"/>
+                      <a:round/>
+                      <a:headEnd type="none" w="med" len="med"/>
+                      <a:tailEnd type="none" w="med" len="med"/>
+                    </a:lnT>
+                    <a:lnB w="12700" cap="flat" cmpd="sng" algn="ctr">
+                      <a:solidFill>
+                        <a:schemeClr val="tx1"/>
+                      </a:solidFill>
+                      <a:prstDash val="solid"/>
+                      <a:round/>
+                      <a:headEnd type="none" w="med" len="med"/>
+                      <a:tailEnd type="none" w="med" len="med"/>
+                    </a:lnB>
+                    <a:lnTlToBr w="12700" cmpd="sng">
+                      <a:noFill/>
+                      <a:prstDash val="solid"/>
+                    </a:lnTlToBr>
+                    <a:lnBlToTr w="12700" cmpd="sng">
+                      <a:noFill/>
+                      <a:prstDash val="solid"/>
+                    </a:lnBlToTr>
+                    <a:solidFill>
+                      <a:schemeClr val="bg1"/>
+                    </a:solidFill>
+                  </a:tcPr>
+                </a:tc>
+                <a:extLst>
+                  <a:ext uri="{0D108BD9-81ED-4DB2-BD59-A6C34878D82A}">
+                    <a16:rowId xmlns:a16="http://schemas.microsoft.com/office/drawing/2014/main" val="3871388272"/>
+                  </a:ext>
+                </a:extLst>
+              </a:tr>
+              <a:tr h="301670">
+                <a:tc>
+                  <a:txBody>
+                    <a:bodyPr/>
+                    <a:lstStyle/>
+                    <a:p>
+                      <a:pPr algn="ctr"/>
+                      <a:r>
+                        <a:rPr lang="en-US" dirty="0">
+                          <a:solidFill>
+                            <a:schemeClr val="tx1"/>
+                          </a:solidFill>
+                        </a:rPr>
+                        <a:t>D</a:t>
+                      </a:r>
+                      <a:endParaRPr lang="ru-RU" dirty="0">
+                        <a:solidFill>
+                          <a:schemeClr val="tx1"/>
+                        </a:solidFill>
+                      </a:endParaRPr>
+                    </a:p>
+                  </a:txBody>
+                  <a:tcPr>
+                    <a:lnL w="12700" cap="flat" cmpd="sng" algn="ctr">
+                      <a:solidFill>
+                        <a:schemeClr val="tx1"/>
+                      </a:solidFill>
+                      <a:prstDash val="solid"/>
+                      <a:round/>
+                      <a:headEnd type="none" w="med" len="med"/>
+                      <a:tailEnd type="none" w="med" len="med"/>
+                    </a:lnL>
+                    <a:lnR w="12700" cap="flat" cmpd="sng" algn="ctr">
+                      <a:solidFill>
+                        <a:schemeClr val="tx1"/>
+                      </a:solidFill>
+                      <a:prstDash val="solid"/>
+                      <a:round/>
+                      <a:headEnd type="none" w="med" len="med"/>
+                      <a:tailEnd type="none" w="med" len="med"/>
+                    </a:lnR>
+                    <a:lnT w="12700" cap="flat" cmpd="sng" algn="ctr">
+                      <a:solidFill>
+                        <a:schemeClr val="tx1"/>
+                      </a:solidFill>
+                      <a:prstDash val="solid"/>
+                      <a:round/>
+                      <a:headEnd type="none" w="med" len="med"/>
+                      <a:tailEnd type="none" w="med" len="med"/>
+                    </a:lnT>
+                    <a:lnB w="12700" cap="flat" cmpd="sng" algn="ctr">
+                      <a:solidFill>
+                        <a:schemeClr val="tx1"/>
+                      </a:solidFill>
+                      <a:prstDash val="solid"/>
+                      <a:round/>
+                      <a:headEnd type="none" w="med" len="med"/>
+                      <a:tailEnd type="none" w="med" len="med"/>
+                    </a:lnB>
+                    <a:lnTlToBr w="12700" cmpd="sng">
+                      <a:noFill/>
+                      <a:prstDash val="solid"/>
+                    </a:lnTlToBr>
+                    <a:lnBlToTr w="12700" cmpd="sng">
+                      <a:noFill/>
+                      <a:prstDash val="solid"/>
+                    </a:lnBlToTr>
+                    <a:solidFill>
+                      <a:schemeClr val="bg1"/>
+                    </a:solidFill>
+                  </a:tcPr>
+                </a:tc>
+                <a:extLst>
+                  <a:ext uri="{0D108BD9-81ED-4DB2-BD59-A6C34878D82A}">
+                    <a16:rowId xmlns:a16="http://schemas.microsoft.com/office/drawing/2014/main" val="3525745541"/>
+                  </a:ext>
+                </a:extLst>
+              </a:tr>
+              <a:tr h="301670">
+                <a:tc>
+                  <a:txBody>
+                    <a:bodyPr/>
+                    <a:lstStyle/>
+                    <a:p>
+                      <a:pPr algn="ctr"/>
+                      <a:r>
+                        <a:rPr lang="en-US" dirty="0">
+                          <a:solidFill>
+                            <a:schemeClr val="tx1"/>
+                          </a:solidFill>
+                        </a:rPr>
+                        <a:t>C</a:t>
+                      </a:r>
+                      <a:endParaRPr lang="ru-RU" dirty="0">
+                        <a:solidFill>
+                          <a:schemeClr val="tx1"/>
+                        </a:solidFill>
+                      </a:endParaRPr>
+                    </a:p>
+                  </a:txBody>
+                  <a:tcPr>
+                    <a:lnL w="12700" cap="flat" cmpd="sng" algn="ctr">
+                      <a:solidFill>
+                        <a:schemeClr val="tx1"/>
+                      </a:solidFill>
+                      <a:prstDash val="solid"/>
+                      <a:round/>
+                      <a:headEnd type="none" w="med" len="med"/>
+                      <a:tailEnd type="none" w="med" len="med"/>
+                    </a:lnL>
+                    <a:lnR w="12700" cap="flat" cmpd="sng" algn="ctr">
+                      <a:solidFill>
+                        <a:schemeClr val="tx1"/>
+                      </a:solidFill>
+                      <a:prstDash val="solid"/>
+                      <a:round/>
+                      <a:headEnd type="none" w="med" len="med"/>
+                      <a:tailEnd type="none" w="med" len="med"/>
+                    </a:lnR>
+                    <a:lnT w="12700" cap="flat" cmpd="sng" algn="ctr">
+                      <a:solidFill>
+                        <a:schemeClr val="tx1"/>
+                      </a:solidFill>
+                      <a:prstDash val="solid"/>
+                      <a:round/>
+                      <a:headEnd type="none" w="med" len="med"/>
+                      <a:tailEnd type="none" w="med" len="med"/>
+                    </a:lnT>
+                    <a:lnB w="12700" cap="flat" cmpd="sng" algn="ctr">
+                      <a:solidFill>
+                        <a:schemeClr val="tx1"/>
+                      </a:solidFill>
+                      <a:prstDash val="solid"/>
+                      <a:round/>
+                      <a:headEnd type="none" w="med" len="med"/>
+                      <a:tailEnd type="none" w="med" len="med"/>
+                    </a:lnB>
+                    <a:lnTlToBr w="12700" cmpd="sng">
+                      <a:noFill/>
+                      <a:prstDash val="solid"/>
+                    </a:lnTlToBr>
+                    <a:lnBlToTr w="12700" cmpd="sng">
+                      <a:noFill/>
+                      <a:prstDash val="solid"/>
+                    </a:lnBlToTr>
+                    <a:solidFill>
+                      <a:schemeClr val="bg1"/>
+                    </a:solidFill>
+                  </a:tcPr>
+                </a:tc>
+                <a:extLst>
+                  <a:ext uri="{0D108BD9-81ED-4DB2-BD59-A6C34878D82A}">
+                    <a16:rowId xmlns:a16="http://schemas.microsoft.com/office/drawing/2014/main" val="247008469"/>
+                  </a:ext>
+                </a:extLst>
+              </a:tr>
+              <a:tr h="301670">
+                <a:tc>
+                  <a:txBody>
+                    <a:bodyPr/>
+                    <a:lstStyle/>
+                    <a:p>
+                      <a:pPr algn="ctr"/>
+                      <a:r>
+                        <a:rPr lang="en-US" dirty="0">
+                          <a:solidFill>
+                            <a:schemeClr val="tx1"/>
+                          </a:solidFill>
+                        </a:rPr>
+                        <a:t>E</a:t>
+                      </a:r>
+                      <a:endParaRPr lang="ru-RU" dirty="0">
+                        <a:solidFill>
+                          <a:schemeClr val="tx1"/>
+                        </a:solidFill>
+                      </a:endParaRPr>
+                    </a:p>
+                  </a:txBody>
+                  <a:tcPr>
+                    <a:lnL w="12700" cap="flat" cmpd="sng" algn="ctr">
+                      <a:solidFill>
+                        <a:schemeClr val="tx1"/>
+                      </a:solidFill>
+                      <a:prstDash val="solid"/>
+                      <a:round/>
+                      <a:headEnd type="none" w="med" len="med"/>
+                      <a:tailEnd type="none" w="med" len="med"/>
+                    </a:lnL>
+                    <a:lnR w="12700" cap="flat" cmpd="sng" algn="ctr">
+                      <a:solidFill>
+                        <a:schemeClr val="tx1"/>
+                      </a:solidFill>
+                      <a:prstDash val="solid"/>
+                      <a:round/>
+                      <a:headEnd type="none" w="med" len="med"/>
+                      <a:tailEnd type="none" w="med" len="med"/>
+                    </a:lnR>
+                    <a:lnT w="12700" cap="flat" cmpd="sng" algn="ctr">
+                      <a:solidFill>
+                        <a:schemeClr val="tx1"/>
+                      </a:solidFill>
+                      <a:prstDash val="solid"/>
+                      <a:round/>
+                      <a:headEnd type="none" w="med" len="med"/>
+                      <a:tailEnd type="none" w="med" len="med"/>
+                    </a:lnT>
+                    <a:lnB w="12700" cap="flat" cmpd="sng" algn="ctr">
+                      <a:solidFill>
+                        <a:schemeClr val="tx1"/>
+                      </a:solidFill>
+                      <a:prstDash val="solid"/>
+                      <a:round/>
+                      <a:headEnd type="none" w="med" len="med"/>
+                      <a:tailEnd type="none" w="med" len="med"/>
+                    </a:lnB>
+                    <a:lnTlToBr w="12700" cmpd="sng">
+                      <a:noFill/>
+                      <a:prstDash val="solid"/>
+                    </a:lnTlToBr>
+                    <a:lnBlToTr w="12700" cmpd="sng">
+                      <a:noFill/>
+                      <a:prstDash val="solid"/>
+                    </a:lnBlToTr>
+                    <a:solidFill>
+                      <a:schemeClr val="bg1"/>
+                    </a:solidFill>
+                  </a:tcPr>
+                </a:tc>
+                <a:extLst>
+                  <a:ext uri="{0D108BD9-81ED-4DB2-BD59-A6C34878D82A}">
+                    <a16:rowId xmlns:a16="http://schemas.microsoft.com/office/drawing/2014/main" val="2737849914"/>
+                  </a:ext>
+                </a:extLst>
+              </a:tr>
+            </a:tbl>
+          </a:graphicData>
+        </a:graphic>
+      </p:graphicFrame>
+      <p:cxnSp>
+        <p:nvCxnSpPr>
+          <p:cNvPr id="21" name="Прямая со стрелкой 20">
+            <a:extLst>
+              <a:ext uri="{FF2B5EF4-FFF2-40B4-BE49-F238E27FC236}">
+                <a16:creationId xmlns:a16="http://schemas.microsoft.com/office/drawing/2014/main" id="{ABE8A53E-170C-42EF-A9E7-4B5F3C5A31A0}"/>
+              </a:ext>
+            </a:extLst>
+          </p:cNvPr>
+          <p:cNvCxnSpPr>
+            <a:cxnSpLocks/>
+          </p:cNvCxnSpPr>
+          <p:nvPr/>
+        </p:nvCxnSpPr>
+        <p:spPr>
+          <a:xfrm>
+            <a:off x="2921088" y="2086252"/>
+            <a:ext cx="643892" cy="355107"/>
+          </a:xfrm>
+          <a:prstGeom prst="straightConnector1">
+            <a:avLst/>
+          </a:prstGeom>
+          <a:ln>
+            <a:tailEnd type="triangle"/>
+          </a:ln>
+        </p:spPr>
+        <p:style>
+          <a:lnRef idx="1">
+            <a:schemeClr val="accent1"/>
+          </a:lnRef>
+          <a:fillRef idx="0">
+            <a:schemeClr val="accent1"/>
+          </a:fillRef>
+          <a:effectRef idx="0">
+            <a:schemeClr val="accent1"/>
+          </a:effectRef>
+          <a:fontRef idx="minor">
+            <a:schemeClr val="tx1"/>
+          </a:fontRef>
+        </p:style>
+      </p:cxnSp>
+      <p:cxnSp>
+        <p:nvCxnSpPr>
+          <p:cNvPr id="22" name="Прямая со стрелкой 21">
+            <a:extLst>
+              <a:ext uri="{FF2B5EF4-FFF2-40B4-BE49-F238E27FC236}">
+                <a16:creationId xmlns:a16="http://schemas.microsoft.com/office/drawing/2014/main" id="{2367AE97-A874-44E2-8DC2-0AFDE3856A54}"/>
+              </a:ext>
+            </a:extLst>
+          </p:cNvPr>
+          <p:cNvCxnSpPr>
+            <a:cxnSpLocks/>
+          </p:cNvCxnSpPr>
+          <p:nvPr/>
+        </p:nvCxnSpPr>
+        <p:spPr>
+          <a:xfrm flipV="1">
+            <a:off x="2828134" y="2086252"/>
+            <a:ext cx="736846" cy="355107"/>
+          </a:xfrm>
+          <a:prstGeom prst="straightConnector1">
+            <a:avLst/>
+          </a:prstGeom>
+          <a:ln>
+            <a:tailEnd type="triangle"/>
+          </a:ln>
+        </p:spPr>
+        <p:style>
+          <a:lnRef idx="1">
+            <a:schemeClr val="accent1"/>
+          </a:lnRef>
+          <a:fillRef idx="0">
+            <a:schemeClr val="accent1"/>
+          </a:fillRef>
+          <a:effectRef idx="0">
+            <a:schemeClr val="accent1"/>
+          </a:effectRef>
+          <a:fontRef idx="minor">
+            <a:schemeClr val="tx1"/>
+          </a:fontRef>
+        </p:style>
+      </p:cxnSp>
+      <p:cxnSp>
+        <p:nvCxnSpPr>
+          <p:cNvPr id="23" name="Прямая со стрелкой 22">
+            <a:extLst>
+              <a:ext uri="{FF2B5EF4-FFF2-40B4-BE49-F238E27FC236}">
+                <a16:creationId xmlns:a16="http://schemas.microsoft.com/office/drawing/2014/main" id="{A0A2D971-4489-4640-ABED-EE5BA77FD4AA}"/>
+              </a:ext>
+            </a:extLst>
+          </p:cNvPr>
+          <p:cNvCxnSpPr>
+            <a:cxnSpLocks/>
+          </p:cNvCxnSpPr>
+          <p:nvPr/>
+        </p:nvCxnSpPr>
+        <p:spPr>
+          <a:xfrm>
+            <a:off x="2837011" y="2829908"/>
+            <a:ext cx="935899" cy="7015"/>
+          </a:xfrm>
+          <a:prstGeom prst="straightConnector1">
+            <a:avLst/>
+          </a:prstGeom>
+          <a:ln>
+            <a:tailEnd type="triangle"/>
+          </a:ln>
+        </p:spPr>
+        <p:style>
+          <a:lnRef idx="1">
+            <a:schemeClr val="accent1"/>
+          </a:lnRef>
+          <a:fillRef idx="0">
+            <a:schemeClr val="accent1"/>
+          </a:fillRef>
+          <a:effectRef idx="0">
+            <a:schemeClr val="accent1"/>
+          </a:effectRef>
+          <a:fontRef idx="minor">
+            <a:schemeClr val="tx1"/>
+          </a:fontRef>
+        </p:style>
+      </p:cxnSp>
+      <p:cxnSp>
+        <p:nvCxnSpPr>
+          <p:cNvPr id="24" name="Прямая со стрелкой 23">
+            <a:extLst>
+              <a:ext uri="{FF2B5EF4-FFF2-40B4-BE49-F238E27FC236}">
+                <a16:creationId xmlns:a16="http://schemas.microsoft.com/office/drawing/2014/main" id="{4041D457-F35C-4C70-A7C9-F4259626EA58}"/>
+              </a:ext>
+            </a:extLst>
+          </p:cNvPr>
+          <p:cNvCxnSpPr>
+            <a:cxnSpLocks/>
+          </p:cNvCxnSpPr>
+          <p:nvPr/>
+        </p:nvCxnSpPr>
+        <p:spPr>
+          <a:xfrm>
+            <a:off x="2721602" y="3222594"/>
+            <a:ext cx="843378" cy="310719"/>
+          </a:xfrm>
+          <a:prstGeom prst="straightConnector1">
+            <a:avLst/>
+          </a:prstGeom>
+          <a:ln>
+            <a:tailEnd type="triangle"/>
+          </a:ln>
+        </p:spPr>
+        <p:style>
+          <a:lnRef idx="1">
+            <a:schemeClr val="accent1"/>
+          </a:lnRef>
+          <a:fillRef idx="0">
+            <a:schemeClr val="accent1"/>
+          </a:fillRef>
+          <a:effectRef idx="0">
+            <a:schemeClr val="accent1"/>
+          </a:effectRef>
+          <a:fontRef idx="minor">
+            <a:schemeClr val="tx1"/>
+          </a:fontRef>
+        </p:style>
+      </p:cxnSp>
+      <p:cxnSp>
+        <p:nvCxnSpPr>
+          <p:cNvPr id="25" name="Прямая со стрелкой 24">
+            <a:extLst>
+              <a:ext uri="{FF2B5EF4-FFF2-40B4-BE49-F238E27FC236}">
+                <a16:creationId xmlns:a16="http://schemas.microsoft.com/office/drawing/2014/main" id="{6083389D-13B7-4D1C-8256-8F58EA6AB90E}"/>
+              </a:ext>
+            </a:extLst>
+          </p:cNvPr>
+          <p:cNvCxnSpPr>
+            <a:cxnSpLocks/>
+          </p:cNvCxnSpPr>
+          <p:nvPr/>
+        </p:nvCxnSpPr>
+        <p:spPr>
+          <a:xfrm flipV="1">
+            <a:off x="2823000" y="3181611"/>
+            <a:ext cx="741980" cy="429531"/>
+          </a:xfrm>
+          <a:prstGeom prst="straightConnector1">
+            <a:avLst/>
+          </a:prstGeom>
+          <a:ln>
+            <a:tailEnd type="triangle"/>
+          </a:ln>
+        </p:spPr>
+        <p:style>
+          <a:lnRef idx="1">
+            <a:schemeClr val="accent1"/>
+          </a:lnRef>
+          <a:fillRef idx="0">
+            <a:schemeClr val="accent1"/>
+          </a:fillRef>
+          <a:effectRef idx="0">
+            <a:schemeClr val="accent1"/>
+          </a:effectRef>
+          <a:fontRef idx="minor">
+            <a:schemeClr val="tx1"/>
+          </a:fontRef>
+        </p:style>
+      </p:cxnSp>
+      <p:graphicFrame>
+        <p:nvGraphicFramePr>
+          <p:cNvPr id="30" name="Таблица 29">
+            <a:extLst>
+              <a:ext uri="{FF2B5EF4-FFF2-40B4-BE49-F238E27FC236}">
+                <a16:creationId xmlns:a16="http://schemas.microsoft.com/office/drawing/2014/main" id="{D05C2DA6-2724-4841-B3A6-797A5A1B75EC}"/>
+              </a:ext>
+            </a:extLst>
+          </p:cNvPr>
+          <p:cNvGraphicFramePr>
+            <a:graphicFrameLocks noGrp="1"/>
+          </p:cNvGraphicFramePr>
+          <p:nvPr>
+            <p:extLst>
+              <p:ext uri="{D42A27DB-BD31-4B8C-83A1-F6EECF244321}">
+                <p14:modId xmlns:p14="http://schemas.microsoft.com/office/powerpoint/2010/main" val="2456640722"/>
+              </p:ext>
+            </p:extLst>
+          </p:nvPr>
+        </p:nvGraphicFramePr>
+        <p:xfrm>
+          <a:off x="2252500" y="4014490"/>
+          <a:ext cx="668174" cy="1837983"/>
+        </p:xfrm>
+        <a:graphic>
+          <a:graphicData uri="http://schemas.openxmlformats.org/drawingml/2006/table">
+            <a:tbl>
+              <a:tblPr firstRow="1" bandRow="1">
+                <a:tableStyleId>{5C22544A-7EE6-4342-B048-85BDC9FD1C3A}</a:tableStyleId>
+              </a:tblPr>
+              <a:tblGrid>
+                <a:gridCol w="668174">
+                  <a:extLst>
+                    <a:ext uri="{9D8B030D-6E8A-4147-A177-3AD203B41FA5}">
+                      <a16:colId xmlns:a16="http://schemas.microsoft.com/office/drawing/2014/main" val="2131970869"/>
+                    </a:ext>
+                  </a:extLst>
+                </a:gridCol>
+              </a:tblGrid>
+              <a:tr h="374943">
+                <a:tc>
+                  <a:txBody>
+                    <a:bodyPr/>
+                    <a:lstStyle/>
+                    <a:p>
+                      <a:pPr algn="ctr"/>
+                      <a:r>
+                        <a:rPr lang="en-US" b="0" dirty="0">
+                          <a:solidFill>
+                            <a:schemeClr val="tx1"/>
+                          </a:solidFill>
+                        </a:rPr>
+                        <a:t>0</a:t>
+                      </a:r>
+                      <a:endParaRPr lang="ru-RU" b="0" dirty="0">
+                        <a:solidFill>
+                          <a:schemeClr val="tx1"/>
+                        </a:solidFill>
+                      </a:endParaRPr>
+                    </a:p>
+                  </a:txBody>
+                  <a:tcPr>
+                    <a:lnL w="12700" cap="flat" cmpd="sng" algn="ctr">
+                      <a:noFill/>
+                      <a:prstDash val="solid"/>
+                      <a:round/>
+                      <a:headEnd type="none" w="med" len="med"/>
+                      <a:tailEnd type="none" w="med" len="med"/>
+                    </a:lnL>
+                    <a:lnR w="12700" cap="flat" cmpd="sng" algn="ctr">
+                      <a:noFill/>
+                      <a:prstDash val="solid"/>
+                      <a:round/>
+                      <a:headEnd type="none" w="med" len="med"/>
+                      <a:tailEnd type="none" w="med" len="med"/>
+                    </a:lnR>
+                    <a:lnT w="12700" cap="flat" cmpd="sng" algn="ctr">
+                      <a:noFill/>
+                      <a:prstDash val="solid"/>
+                      <a:round/>
+                      <a:headEnd type="none" w="med" len="med"/>
+                      <a:tailEnd type="none" w="med" len="med"/>
+                    </a:lnT>
+                    <a:lnB w="12700" cap="flat" cmpd="sng" algn="ctr">
+                      <a:noFill/>
+                      <a:prstDash val="solid"/>
+                      <a:round/>
+                      <a:headEnd type="none" w="med" len="med"/>
+                      <a:tailEnd type="none" w="med" len="med"/>
+                    </a:lnB>
+                    <a:lnTlToBr w="12700" cmpd="sng">
+                      <a:noFill/>
+                      <a:prstDash val="solid"/>
+                    </a:lnTlToBr>
+                    <a:lnBlToTr w="12700" cmpd="sng">
+                      <a:noFill/>
+                      <a:prstDash val="solid"/>
+                    </a:lnBlToTr>
+                    <a:solidFill>
+                      <a:schemeClr val="bg1"/>
+                    </a:solidFill>
+                  </a:tcPr>
+                </a:tc>
+                <a:extLst>
+                  <a:ext uri="{0D108BD9-81ED-4DB2-BD59-A6C34878D82A}">
+                    <a16:rowId xmlns:a16="http://schemas.microsoft.com/office/drawing/2014/main" val="3621552430"/>
+                  </a:ext>
+                </a:extLst>
+              </a:tr>
+              <a:tr h="0">
+                <a:tc>
+                  <a:txBody>
+                    <a:bodyPr/>
+                    <a:lstStyle/>
+                    <a:p>
+                      <a:pPr algn="ctr"/>
+                      <a:r>
+                        <a:rPr lang="en-US" dirty="0">
+                          <a:solidFill>
+                            <a:schemeClr val="tx1"/>
+                          </a:solidFill>
+                        </a:rPr>
+                        <a:t>1</a:t>
+                      </a:r>
+                      <a:endParaRPr lang="ru-RU" dirty="0">
+                        <a:solidFill>
+                          <a:schemeClr val="tx1"/>
+                        </a:solidFill>
+                      </a:endParaRPr>
+                    </a:p>
+                  </a:txBody>
+                  <a:tcPr>
+                    <a:lnL w="12700" cap="flat" cmpd="sng" algn="ctr">
+                      <a:noFill/>
+                      <a:prstDash val="solid"/>
+                      <a:round/>
+                      <a:headEnd type="none" w="med" len="med"/>
+                      <a:tailEnd type="none" w="med" len="med"/>
+                    </a:lnL>
+                    <a:lnR w="12700" cap="flat" cmpd="sng" algn="ctr">
+                      <a:noFill/>
+                      <a:prstDash val="solid"/>
+                      <a:round/>
+                      <a:headEnd type="none" w="med" len="med"/>
+                      <a:tailEnd type="none" w="med" len="med"/>
+                    </a:lnR>
+                    <a:lnT w="12700" cap="flat" cmpd="sng" algn="ctr">
+                      <a:noFill/>
+                      <a:prstDash val="solid"/>
+                      <a:round/>
+                      <a:headEnd type="none" w="med" len="med"/>
+                      <a:tailEnd type="none" w="med" len="med"/>
+                    </a:lnT>
+                    <a:lnB w="12700" cap="flat" cmpd="sng" algn="ctr">
+                      <a:noFill/>
+                      <a:prstDash val="solid"/>
+                      <a:round/>
+                      <a:headEnd type="none" w="med" len="med"/>
+                      <a:tailEnd type="none" w="med" len="med"/>
+                    </a:lnB>
+                    <a:lnTlToBr w="12700" cmpd="sng">
+                      <a:noFill/>
+                      <a:prstDash val="solid"/>
+                    </a:lnTlToBr>
+                    <a:lnBlToTr w="12700" cmpd="sng">
+                      <a:noFill/>
+                      <a:prstDash val="solid"/>
+                    </a:lnBlToTr>
+                    <a:solidFill>
+                      <a:schemeClr val="bg1"/>
+                    </a:solidFill>
+                  </a:tcPr>
+                </a:tc>
+                <a:extLst>
+                  <a:ext uri="{0D108BD9-81ED-4DB2-BD59-A6C34878D82A}">
+                    <a16:rowId xmlns:a16="http://schemas.microsoft.com/office/drawing/2014/main" val="3871388272"/>
+                  </a:ext>
+                </a:extLst>
+              </a:tr>
+              <a:tr h="301670">
+                <a:tc>
+                  <a:txBody>
+                    <a:bodyPr/>
+                    <a:lstStyle/>
+                    <a:p>
+                      <a:pPr algn="ctr"/>
+                      <a:r>
+                        <a:rPr lang="en-US" dirty="0">
+                          <a:solidFill>
+                            <a:schemeClr val="tx1"/>
+                          </a:solidFill>
+                        </a:rPr>
+                        <a:t>4</a:t>
+                      </a:r>
+                      <a:endParaRPr lang="ru-RU" dirty="0">
+                        <a:solidFill>
+                          <a:schemeClr val="tx1"/>
+                        </a:solidFill>
+                      </a:endParaRPr>
+                    </a:p>
+                  </a:txBody>
+                  <a:tcPr>
+                    <a:lnL w="12700" cap="flat" cmpd="sng" algn="ctr">
+                      <a:noFill/>
+                      <a:prstDash val="solid"/>
+                      <a:round/>
+                      <a:headEnd type="none" w="med" len="med"/>
+                      <a:tailEnd type="none" w="med" len="med"/>
+                    </a:lnL>
+                    <a:lnR w="12700" cap="flat" cmpd="sng" algn="ctr">
+                      <a:noFill/>
+                      <a:prstDash val="solid"/>
+                      <a:round/>
+                      <a:headEnd type="none" w="med" len="med"/>
+                      <a:tailEnd type="none" w="med" len="med"/>
+                    </a:lnR>
+                    <a:lnT w="12700" cap="flat" cmpd="sng" algn="ctr">
+                      <a:noFill/>
+                      <a:prstDash val="solid"/>
+                      <a:round/>
+                      <a:headEnd type="none" w="med" len="med"/>
+                      <a:tailEnd type="none" w="med" len="med"/>
+                    </a:lnT>
+                    <a:lnB w="12700" cap="flat" cmpd="sng" algn="ctr">
+                      <a:noFill/>
+                      <a:prstDash val="solid"/>
+                      <a:round/>
+                      <a:headEnd type="none" w="med" len="med"/>
+                      <a:tailEnd type="none" w="med" len="med"/>
+                    </a:lnB>
+                    <a:lnTlToBr w="12700" cmpd="sng">
+                      <a:noFill/>
+                      <a:prstDash val="solid"/>
+                    </a:lnTlToBr>
+                    <a:lnBlToTr w="12700" cmpd="sng">
+                      <a:noFill/>
+                      <a:prstDash val="solid"/>
+                    </a:lnBlToTr>
+                    <a:solidFill>
+                      <a:schemeClr val="bg1"/>
+                    </a:solidFill>
+                  </a:tcPr>
+                </a:tc>
+                <a:extLst>
+                  <a:ext uri="{0D108BD9-81ED-4DB2-BD59-A6C34878D82A}">
+                    <a16:rowId xmlns:a16="http://schemas.microsoft.com/office/drawing/2014/main" val="3525745541"/>
+                  </a:ext>
+                </a:extLst>
+              </a:tr>
+              <a:tr h="301670">
+                <a:tc>
+                  <a:txBody>
+                    <a:bodyPr/>
+                    <a:lstStyle/>
+                    <a:p>
+                      <a:pPr algn="ctr"/>
+                      <a:r>
+                        <a:rPr lang="en-US" dirty="0">
+                          <a:solidFill>
+                            <a:schemeClr val="tx1"/>
+                          </a:solidFill>
+                        </a:rPr>
+                        <a:t>2</a:t>
+                      </a:r>
+                      <a:endParaRPr lang="ru-RU" dirty="0">
+                        <a:solidFill>
+                          <a:schemeClr val="tx1"/>
+                        </a:solidFill>
+                      </a:endParaRPr>
+                    </a:p>
+                  </a:txBody>
+                  <a:tcPr>
+                    <a:lnL w="12700" cap="flat" cmpd="sng" algn="ctr">
+                      <a:noFill/>
+                      <a:prstDash val="solid"/>
+                      <a:round/>
+                      <a:headEnd type="none" w="med" len="med"/>
+                      <a:tailEnd type="none" w="med" len="med"/>
+                    </a:lnL>
+                    <a:lnR w="12700" cap="flat" cmpd="sng" algn="ctr">
+                      <a:noFill/>
+                      <a:prstDash val="solid"/>
+                      <a:round/>
+                      <a:headEnd type="none" w="med" len="med"/>
+                      <a:tailEnd type="none" w="med" len="med"/>
+                    </a:lnR>
+                    <a:lnT w="12700" cap="flat" cmpd="sng" algn="ctr">
+                      <a:noFill/>
+                      <a:prstDash val="solid"/>
+                      <a:round/>
+                      <a:headEnd type="none" w="med" len="med"/>
+                      <a:tailEnd type="none" w="med" len="med"/>
+                    </a:lnT>
+                    <a:lnB w="12700" cap="flat" cmpd="sng" algn="ctr">
+                      <a:noFill/>
+                      <a:prstDash val="solid"/>
+                      <a:round/>
+                      <a:headEnd type="none" w="med" len="med"/>
+                      <a:tailEnd type="none" w="med" len="med"/>
+                    </a:lnB>
+                    <a:lnTlToBr w="12700" cmpd="sng">
+                      <a:noFill/>
+                      <a:prstDash val="solid"/>
+                    </a:lnTlToBr>
+                    <a:lnBlToTr w="12700" cmpd="sng">
+                      <a:noFill/>
+                      <a:prstDash val="solid"/>
+                    </a:lnBlToTr>
+                    <a:solidFill>
+                      <a:schemeClr val="bg1"/>
+                    </a:solidFill>
+                  </a:tcPr>
+                </a:tc>
+                <a:extLst>
+                  <a:ext uri="{0D108BD9-81ED-4DB2-BD59-A6C34878D82A}">
+                    <a16:rowId xmlns:a16="http://schemas.microsoft.com/office/drawing/2014/main" val="247008469"/>
+                  </a:ext>
+                </a:extLst>
+              </a:tr>
+              <a:tr h="301670">
+                <a:tc>
+                  <a:txBody>
+                    <a:bodyPr/>
+                    <a:lstStyle/>
+                    <a:p>
+                      <a:pPr algn="ctr"/>
+                      <a:r>
+                        <a:rPr lang="en-US" dirty="0">
+                          <a:solidFill>
+                            <a:schemeClr val="tx1"/>
+                          </a:solidFill>
+                        </a:rPr>
+                        <a:t>3</a:t>
+                      </a:r>
+                      <a:endParaRPr lang="ru-RU" dirty="0">
+                        <a:solidFill>
+                          <a:schemeClr val="tx1"/>
+                        </a:solidFill>
+                      </a:endParaRPr>
+                    </a:p>
+                  </a:txBody>
+                  <a:tcPr>
+                    <a:lnL w="12700" cap="flat" cmpd="sng" algn="ctr">
+                      <a:noFill/>
+                      <a:prstDash val="solid"/>
+                      <a:round/>
+                      <a:headEnd type="none" w="med" len="med"/>
+                      <a:tailEnd type="none" w="med" len="med"/>
+                    </a:lnL>
+                    <a:lnR w="12700" cap="flat" cmpd="sng" algn="ctr">
+                      <a:noFill/>
+                      <a:prstDash val="solid"/>
+                      <a:round/>
+                      <a:headEnd type="none" w="med" len="med"/>
+                      <a:tailEnd type="none" w="med" len="med"/>
+                    </a:lnR>
+                    <a:lnT w="12700" cap="flat" cmpd="sng" algn="ctr">
+                      <a:noFill/>
+                      <a:prstDash val="solid"/>
+                      <a:round/>
+                      <a:headEnd type="none" w="med" len="med"/>
+                      <a:tailEnd type="none" w="med" len="med"/>
+                    </a:lnT>
+                    <a:lnB w="12700" cap="flat" cmpd="sng" algn="ctr">
+                      <a:noFill/>
+                      <a:prstDash val="solid"/>
+                      <a:round/>
+                      <a:headEnd type="none" w="med" len="med"/>
+                      <a:tailEnd type="none" w="med" len="med"/>
+                    </a:lnB>
+                    <a:lnTlToBr w="12700" cmpd="sng">
+                      <a:noFill/>
+                      <a:prstDash val="solid"/>
+                    </a:lnTlToBr>
+                    <a:lnBlToTr w="12700" cmpd="sng">
+                      <a:noFill/>
+                      <a:prstDash val="solid"/>
+                    </a:lnBlToTr>
+                    <a:solidFill>
+                      <a:schemeClr val="bg1"/>
+                    </a:solidFill>
+                  </a:tcPr>
+                </a:tc>
+                <a:extLst>
+                  <a:ext uri="{0D108BD9-81ED-4DB2-BD59-A6C34878D82A}">
+                    <a16:rowId xmlns:a16="http://schemas.microsoft.com/office/drawing/2014/main" val="2737849914"/>
+                  </a:ext>
+                </a:extLst>
+              </a:tr>
+            </a:tbl>
+          </a:graphicData>
+        </a:graphic>
+      </p:graphicFrame>
+      <p:graphicFrame>
+        <p:nvGraphicFramePr>
+          <p:cNvPr id="31" name="Таблица 30">
+            <a:extLst>
+              <a:ext uri="{FF2B5EF4-FFF2-40B4-BE49-F238E27FC236}">
+                <a16:creationId xmlns:a16="http://schemas.microsoft.com/office/drawing/2014/main" id="{E4260A03-E50E-4C11-A92A-D2B9966DAFF3}"/>
+              </a:ext>
+            </a:extLst>
+          </p:cNvPr>
+          <p:cNvGraphicFramePr>
+            <a:graphicFrameLocks noGrp="1"/>
+          </p:cNvGraphicFramePr>
+          <p:nvPr>
+            <p:extLst>
+              <p:ext uri="{D42A27DB-BD31-4B8C-83A1-F6EECF244321}">
+                <p14:modId xmlns:p14="http://schemas.microsoft.com/office/powerpoint/2010/main" val="1902823950"/>
+              </p:ext>
+            </p:extLst>
+          </p:nvPr>
+        </p:nvGraphicFramePr>
+        <p:xfrm>
+          <a:off x="3467080" y="4003827"/>
+          <a:ext cx="668174" cy="1837983"/>
+        </p:xfrm>
+        <a:graphic>
+          <a:graphicData uri="http://schemas.openxmlformats.org/drawingml/2006/table">
+            <a:tbl>
+              <a:tblPr firstRow="1" bandRow="1">
+                <a:tableStyleId>{5C22544A-7EE6-4342-B048-85BDC9FD1C3A}</a:tableStyleId>
+              </a:tblPr>
+              <a:tblGrid>
+                <a:gridCol w="668174">
+                  <a:extLst>
+                    <a:ext uri="{9D8B030D-6E8A-4147-A177-3AD203B41FA5}">
+                      <a16:colId xmlns:a16="http://schemas.microsoft.com/office/drawing/2014/main" val="2131970869"/>
+                    </a:ext>
+                  </a:extLst>
+                </a:gridCol>
+              </a:tblGrid>
+              <a:tr h="374943">
+                <a:tc>
+                  <a:txBody>
+                    <a:bodyPr/>
+                    <a:lstStyle/>
+                    <a:p>
+                      <a:pPr algn="ctr"/>
+                      <a:r>
+                        <a:rPr lang="en-US" b="0" dirty="0">
+                          <a:solidFill>
+                            <a:schemeClr val="tx1"/>
+                          </a:solidFill>
+                        </a:rPr>
+                        <a:t>1</a:t>
+                      </a:r>
+                      <a:endParaRPr lang="ru-RU" b="0" dirty="0">
+                        <a:solidFill>
+                          <a:schemeClr val="tx1"/>
+                        </a:solidFill>
+                      </a:endParaRPr>
+                    </a:p>
+                  </a:txBody>
+                  <a:tcPr>
+                    <a:lnL w="12700" cap="flat" cmpd="sng" algn="ctr">
+                      <a:noFill/>
+                      <a:prstDash val="solid"/>
+                      <a:round/>
+                      <a:headEnd type="none" w="med" len="med"/>
+                      <a:tailEnd type="none" w="med" len="med"/>
+                    </a:lnL>
+                    <a:lnR w="12700" cap="flat" cmpd="sng" algn="ctr">
+                      <a:noFill/>
+                      <a:prstDash val="solid"/>
+                      <a:round/>
+                      <a:headEnd type="none" w="med" len="med"/>
+                      <a:tailEnd type="none" w="med" len="med"/>
+                    </a:lnR>
+                    <a:lnT w="12700" cap="flat" cmpd="sng" algn="ctr">
+                      <a:noFill/>
+                      <a:prstDash val="solid"/>
+                      <a:round/>
+                      <a:headEnd type="none" w="med" len="med"/>
+                      <a:tailEnd type="none" w="med" len="med"/>
+                    </a:lnT>
+                    <a:lnB w="12700" cap="flat" cmpd="sng" algn="ctr">
+                      <a:noFill/>
+                      <a:prstDash val="solid"/>
+                      <a:round/>
+                      <a:headEnd type="none" w="med" len="med"/>
+                      <a:tailEnd type="none" w="med" len="med"/>
+                    </a:lnB>
+                    <a:lnTlToBr w="12700" cmpd="sng">
+                      <a:noFill/>
+                      <a:prstDash val="solid"/>
+                    </a:lnTlToBr>
+                    <a:lnBlToTr w="12700" cmpd="sng">
+                      <a:noFill/>
+                      <a:prstDash val="solid"/>
+                    </a:lnBlToTr>
+                    <a:solidFill>
+                      <a:schemeClr val="bg1"/>
+                    </a:solidFill>
+                  </a:tcPr>
+                </a:tc>
+                <a:extLst>
+                  <a:ext uri="{0D108BD9-81ED-4DB2-BD59-A6C34878D82A}">
+                    <a16:rowId xmlns:a16="http://schemas.microsoft.com/office/drawing/2014/main" val="3621552430"/>
+                  </a:ext>
+                </a:extLst>
+              </a:tr>
+              <a:tr h="0">
+                <a:tc>
+                  <a:txBody>
+                    <a:bodyPr/>
+                    <a:lstStyle/>
+                    <a:p>
+                      <a:pPr algn="ctr"/>
+                      <a:r>
+                        <a:rPr lang="en-US" dirty="0">
+                          <a:solidFill>
+                            <a:schemeClr val="tx1"/>
+                          </a:solidFill>
+                        </a:rPr>
+                        <a:t>0</a:t>
+                      </a:r>
+                      <a:endParaRPr lang="ru-RU" dirty="0">
+                        <a:solidFill>
+                          <a:schemeClr val="tx1"/>
+                        </a:solidFill>
+                      </a:endParaRPr>
+                    </a:p>
+                  </a:txBody>
+                  <a:tcPr>
+                    <a:lnL w="12700" cap="flat" cmpd="sng" algn="ctr">
+                      <a:noFill/>
+                      <a:prstDash val="solid"/>
+                      <a:round/>
+                      <a:headEnd type="none" w="med" len="med"/>
+                      <a:tailEnd type="none" w="med" len="med"/>
+                    </a:lnL>
+                    <a:lnR w="12700" cap="flat" cmpd="sng" algn="ctr">
+                      <a:noFill/>
+                      <a:prstDash val="solid"/>
+                      <a:round/>
+                      <a:headEnd type="none" w="med" len="med"/>
+                      <a:tailEnd type="none" w="med" len="med"/>
+                    </a:lnR>
+                    <a:lnT w="12700" cap="flat" cmpd="sng" algn="ctr">
+                      <a:noFill/>
+                      <a:prstDash val="solid"/>
+                      <a:round/>
+                      <a:headEnd type="none" w="med" len="med"/>
+                      <a:tailEnd type="none" w="med" len="med"/>
+                    </a:lnT>
+                    <a:lnB w="12700" cap="flat" cmpd="sng" algn="ctr">
+                      <a:noFill/>
+                      <a:prstDash val="solid"/>
+                      <a:round/>
+                      <a:headEnd type="none" w="med" len="med"/>
+                      <a:tailEnd type="none" w="med" len="med"/>
+                    </a:lnB>
+                    <a:lnTlToBr w="12700" cmpd="sng">
+                      <a:noFill/>
+                      <a:prstDash val="solid"/>
+                    </a:lnTlToBr>
+                    <a:lnBlToTr w="12700" cmpd="sng">
+                      <a:noFill/>
+                      <a:prstDash val="solid"/>
+                    </a:lnBlToTr>
+                    <a:solidFill>
+                      <a:schemeClr val="bg1"/>
+                    </a:solidFill>
+                  </a:tcPr>
+                </a:tc>
+                <a:extLst>
+                  <a:ext uri="{0D108BD9-81ED-4DB2-BD59-A6C34878D82A}">
+                    <a16:rowId xmlns:a16="http://schemas.microsoft.com/office/drawing/2014/main" val="3871388272"/>
+                  </a:ext>
+                </a:extLst>
+              </a:tr>
+              <a:tr h="301670">
+                <a:tc>
+                  <a:txBody>
+                    <a:bodyPr/>
+                    <a:lstStyle/>
+                    <a:p>
+                      <a:pPr algn="ctr"/>
+                      <a:r>
+                        <a:rPr lang="en-US" dirty="0">
+                          <a:solidFill>
+                            <a:schemeClr val="tx1"/>
+                          </a:solidFill>
+                        </a:rPr>
+                        <a:t>3</a:t>
+                      </a:r>
+                      <a:endParaRPr lang="ru-RU" dirty="0">
+                        <a:solidFill>
+                          <a:schemeClr val="tx1"/>
+                        </a:solidFill>
+                      </a:endParaRPr>
+                    </a:p>
+                  </a:txBody>
+                  <a:tcPr>
+                    <a:lnL w="12700" cap="flat" cmpd="sng" algn="ctr">
+                      <a:noFill/>
+                      <a:prstDash val="solid"/>
+                      <a:round/>
+                      <a:headEnd type="none" w="med" len="med"/>
+                      <a:tailEnd type="none" w="med" len="med"/>
+                    </a:lnL>
+                    <a:lnR w="12700" cap="flat" cmpd="sng" algn="ctr">
+                      <a:noFill/>
+                      <a:prstDash val="solid"/>
+                      <a:round/>
+                      <a:headEnd type="none" w="med" len="med"/>
+                      <a:tailEnd type="none" w="med" len="med"/>
+                    </a:lnR>
+                    <a:lnT w="12700" cap="flat" cmpd="sng" algn="ctr">
+                      <a:noFill/>
+                      <a:prstDash val="solid"/>
+                      <a:round/>
+                      <a:headEnd type="none" w="med" len="med"/>
+                      <a:tailEnd type="none" w="med" len="med"/>
+                    </a:lnT>
+                    <a:lnB w="12700" cap="flat" cmpd="sng" algn="ctr">
+                      <a:noFill/>
+                      <a:prstDash val="solid"/>
+                      <a:round/>
+                      <a:headEnd type="none" w="med" len="med"/>
+                      <a:tailEnd type="none" w="med" len="med"/>
+                    </a:lnB>
+                    <a:lnTlToBr w="12700" cmpd="sng">
+                      <a:noFill/>
+                      <a:prstDash val="solid"/>
+                    </a:lnTlToBr>
+                    <a:lnBlToTr w="12700" cmpd="sng">
+                      <a:noFill/>
+                      <a:prstDash val="solid"/>
+                    </a:lnBlToTr>
+                    <a:solidFill>
+                      <a:schemeClr val="bg1"/>
+                    </a:solidFill>
+                  </a:tcPr>
+                </a:tc>
+                <a:extLst>
+                  <a:ext uri="{0D108BD9-81ED-4DB2-BD59-A6C34878D82A}">
+                    <a16:rowId xmlns:a16="http://schemas.microsoft.com/office/drawing/2014/main" val="3525745541"/>
+                  </a:ext>
+                </a:extLst>
+              </a:tr>
+              <a:tr h="301670">
+                <a:tc>
+                  <a:txBody>
+                    <a:bodyPr/>
+                    <a:lstStyle/>
+                    <a:p>
+                      <a:pPr algn="ctr"/>
+                      <a:r>
+                        <a:rPr lang="en-US" dirty="0">
+                          <a:solidFill>
+                            <a:schemeClr val="tx1"/>
+                          </a:solidFill>
+                        </a:rPr>
+                        <a:t>2</a:t>
+                      </a:r>
+                      <a:endParaRPr lang="ru-RU" dirty="0">
+                        <a:solidFill>
+                          <a:schemeClr val="tx1"/>
+                        </a:solidFill>
+                      </a:endParaRPr>
+                    </a:p>
+                  </a:txBody>
+                  <a:tcPr>
+                    <a:lnL w="12700" cap="flat" cmpd="sng" algn="ctr">
+                      <a:noFill/>
+                      <a:prstDash val="solid"/>
+                      <a:round/>
+                      <a:headEnd type="none" w="med" len="med"/>
+                      <a:tailEnd type="none" w="med" len="med"/>
+                    </a:lnL>
+                    <a:lnR w="12700" cap="flat" cmpd="sng" algn="ctr">
+                      <a:noFill/>
+                      <a:prstDash val="solid"/>
+                      <a:round/>
+                      <a:headEnd type="none" w="med" len="med"/>
+                      <a:tailEnd type="none" w="med" len="med"/>
+                    </a:lnR>
+                    <a:lnT w="12700" cap="flat" cmpd="sng" algn="ctr">
+                      <a:noFill/>
+                      <a:prstDash val="solid"/>
+                      <a:round/>
+                      <a:headEnd type="none" w="med" len="med"/>
+                      <a:tailEnd type="none" w="med" len="med"/>
+                    </a:lnT>
+                    <a:lnB w="12700" cap="flat" cmpd="sng" algn="ctr">
+                      <a:noFill/>
+                      <a:prstDash val="solid"/>
+                      <a:round/>
+                      <a:headEnd type="none" w="med" len="med"/>
+                      <a:tailEnd type="none" w="med" len="med"/>
+                    </a:lnB>
+                    <a:lnTlToBr w="12700" cmpd="sng">
+                      <a:noFill/>
+                      <a:prstDash val="solid"/>
+                    </a:lnTlToBr>
+                    <a:lnBlToTr w="12700" cmpd="sng">
+                      <a:noFill/>
+                      <a:prstDash val="solid"/>
+                    </a:lnBlToTr>
+                    <a:solidFill>
+                      <a:schemeClr val="bg1"/>
+                    </a:solidFill>
+                  </a:tcPr>
+                </a:tc>
+                <a:extLst>
+                  <a:ext uri="{0D108BD9-81ED-4DB2-BD59-A6C34878D82A}">
+                    <a16:rowId xmlns:a16="http://schemas.microsoft.com/office/drawing/2014/main" val="247008469"/>
+                  </a:ext>
+                </a:extLst>
+              </a:tr>
+              <a:tr h="301670">
+                <a:tc>
+                  <a:txBody>
+                    <a:bodyPr/>
+                    <a:lstStyle/>
+                    <a:p>
+                      <a:pPr algn="ctr"/>
+                      <a:r>
+                        <a:rPr lang="en-US" dirty="0">
+                          <a:solidFill>
+                            <a:schemeClr val="tx1"/>
+                          </a:solidFill>
+                        </a:rPr>
+                        <a:t>4</a:t>
+                      </a:r>
+                      <a:endParaRPr lang="ru-RU" dirty="0">
+                        <a:solidFill>
+                          <a:schemeClr val="tx1"/>
+                        </a:solidFill>
+                      </a:endParaRPr>
+                    </a:p>
+                  </a:txBody>
+                  <a:tcPr>
+                    <a:lnL w="12700" cap="flat" cmpd="sng" algn="ctr">
+                      <a:noFill/>
+                      <a:prstDash val="solid"/>
+                      <a:round/>
+                      <a:headEnd type="none" w="med" len="med"/>
+                      <a:tailEnd type="none" w="med" len="med"/>
+                    </a:lnL>
+                    <a:lnR w="12700" cap="flat" cmpd="sng" algn="ctr">
+                      <a:noFill/>
+                      <a:prstDash val="solid"/>
+                      <a:round/>
+                      <a:headEnd type="none" w="med" len="med"/>
+                      <a:tailEnd type="none" w="med" len="med"/>
+                    </a:lnR>
+                    <a:lnT w="12700" cap="flat" cmpd="sng" algn="ctr">
+                      <a:noFill/>
+                      <a:prstDash val="solid"/>
+                      <a:round/>
+                      <a:headEnd type="none" w="med" len="med"/>
+                      <a:tailEnd type="none" w="med" len="med"/>
+                    </a:lnT>
+                    <a:lnB w="12700" cap="flat" cmpd="sng" algn="ctr">
+                      <a:noFill/>
+                      <a:prstDash val="solid"/>
+                      <a:round/>
+                      <a:headEnd type="none" w="med" len="med"/>
+                      <a:tailEnd type="none" w="med" len="med"/>
+                    </a:lnB>
+                    <a:lnTlToBr w="12700" cmpd="sng">
+                      <a:noFill/>
+                      <a:prstDash val="solid"/>
+                    </a:lnTlToBr>
+                    <a:lnBlToTr w="12700" cmpd="sng">
+                      <a:noFill/>
+                      <a:prstDash val="solid"/>
+                    </a:lnBlToTr>
+                    <a:solidFill>
+                      <a:schemeClr val="bg1"/>
+                    </a:solidFill>
+                  </a:tcPr>
+                </a:tc>
+                <a:extLst>
+                  <a:ext uri="{0D108BD9-81ED-4DB2-BD59-A6C34878D82A}">
+                    <a16:rowId xmlns:a16="http://schemas.microsoft.com/office/drawing/2014/main" val="2737849914"/>
+                  </a:ext>
+                </a:extLst>
+              </a:tr>
+            </a:tbl>
+          </a:graphicData>
+        </a:graphic>
+      </p:graphicFrame>
+      <p:sp>
+        <p:nvSpPr>
+          <p:cNvPr id="32" name="TextBox 31">
+            <a:extLst>
+              <a:ext uri="{FF2B5EF4-FFF2-40B4-BE49-F238E27FC236}">
+                <a16:creationId xmlns:a16="http://schemas.microsoft.com/office/drawing/2014/main" id="{490B2074-AECB-4D2F-ADFB-D71DA631660E}"/>
+              </a:ext>
+            </a:extLst>
+          </p:cNvPr>
+          <p:cNvSpPr txBox="1"/>
+          <p:nvPr/>
+        </p:nvSpPr>
+        <p:spPr>
+          <a:xfrm>
+            <a:off x="5207268" y="1630875"/>
+            <a:ext cx="5486399" cy="646331"/>
+          </a:xfrm>
+          <a:prstGeom prst="rect">
+            <a:avLst/>
+          </a:prstGeom>
+          <a:noFill/>
+        </p:spPr>
+        <p:txBody>
+          <a:bodyPr wrap="square" rtlCol="0">
+            <a:spAutoFit/>
+          </a:bodyPr>
+          <a:lstStyle/>
+          <a:p>
+            <a:r>
+              <a:rPr lang="ru-RU" dirty="0"/>
+              <a:t>в массиве </a:t>
+            </a:r>
+            <a:r>
+              <a:rPr lang="en-US" dirty="0" err="1"/>
+              <a:t>trajs</a:t>
+            </a:r>
+            <a:r>
+              <a:rPr lang="en-US" dirty="0"/>
+              <a:t> </a:t>
+            </a:r>
+            <a:r>
+              <a:rPr lang="ru-RU" dirty="0"/>
+              <a:t>должны хранится текущие индексы, соответствующие </a:t>
+            </a:r>
+            <a:r>
+              <a:rPr lang="ru-RU"/>
+              <a:t>начальным индексам </a:t>
+            </a:r>
+            <a:endParaRPr lang="ru-RU" dirty="0"/>
+          </a:p>
+        </p:txBody>
+      </p:sp>
+      <p:graphicFrame>
+        <p:nvGraphicFramePr>
+          <p:cNvPr id="26" name="Таблица 25">
+            <a:extLst>
+              <a:ext uri="{FF2B5EF4-FFF2-40B4-BE49-F238E27FC236}">
+                <a16:creationId xmlns:a16="http://schemas.microsoft.com/office/drawing/2014/main" id="{0B8CAA3C-6C9E-4278-BBDF-1301C9FA2F5C}"/>
+              </a:ext>
+            </a:extLst>
+          </p:cNvPr>
+          <p:cNvGraphicFramePr>
+            <a:graphicFrameLocks noGrp="1"/>
+          </p:cNvGraphicFramePr>
+          <p:nvPr>
+            <p:extLst>
+              <p:ext uri="{D42A27DB-BD31-4B8C-83A1-F6EECF244321}">
+                <p14:modId xmlns:p14="http://schemas.microsoft.com/office/powerpoint/2010/main" val="357690496"/>
+              </p:ext>
+            </p:extLst>
+          </p:nvPr>
+        </p:nvGraphicFramePr>
+        <p:xfrm>
+          <a:off x="1518082" y="4137448"/>
+          <a:ext cx="668174" cy="1837983"/>
+        </p:xfrm>
+        <a:graphic>
+          <a:graphicData uri="http://schemas.openxmlformats.org/drawingml/2006/table">
+            <a:tbl>
+              <a:tblPr firstRow="1" bandRow="1">
+                <a:tableStyleId>{5C22544A-7EE6-4342-B048-85BDC9FD1C3A}</a:tableStyleId>
+              </a:tblPr>
+              <a:tblGrid>
+                <a:gridCol w="668174">
+                  <a:extLst>
+                    <a:ext uri="{9D8B030D-6E8A-4147-A177-3AD203B41FA5}">
+                      <a16:colId xmlns:a16="http://schemas.microsoft.com/office/drawing/2014/main" val="2131970869"/>
+                    </a:ext>
+                  </a:extLst>
+                </a:gridCol>
+              </a:tblGrid>
+              <a:tr h="374943">
+                <a:tc>
+                  <a:txBody>
+                    <a:bodyPr/>
+                    <a:lstStyle/>
+                    <a:p>
+                      <a:pPr algn="ctr"/>
+                      <a:r>
+                        <a:rPr lang="en-US" b="0" dirty="0">
+                          <a:solidFill>
+                            <a:schemeClr val="tx1"/>
+                          </a:solidFill>
+                        </a:rPr>
+                        <a:t>0-0</a:t>
+                      </a:r>
+                      <a:endParaRPr lang="ru-RU" b="0" dirty="0">
+                        <a:solidFill>
+                          <a:schemeClr val="tx1"/>
+                        </a:solidFill>
+                      </a:endParaRPr>
+                    </a:p>
+                  </a:txBody>
+                  <a:tcPr>
+                    <a:lnL w="12700" cap="flat" cmpd="sng" algn="ctr">
+                      <a:noFill/>
+                      <a:prstDash val="solid"/>
+                      <a:round/>
+                      <a:headEnd type="none" w="med" len="med"/>
+                      <a:tailEnd type="none" w="med" len="med"/>
+                    </a:lnL>
+                    <a:lnR w="12700" cap="flat" cmpd="sng" algn="ctr">
+                      <a:noFill/>
+                      <a:prstDash val="solid"/>
+                      <a:round/>
+                      <a:headEnd type="none" w="med" len="med"/>
+                      <a:tailEnd type="none" w="med" len="med"/>
+                    </a:lnR>
+                    <a:lnT w="12700" cap="flat" cmpd="sng" algn="ctr">
+                      <a:noFill/>
+                      <a:prstDash val="solid"/>
+                      <a:round/>
+                      <a:headEnd type="none" w="med" len="med"/>
+                      <a:tailEnd type="none" w="med" len="med"/>
+                    </a:lnT>
+                    <a:lnB w="12700" cap="flat" cmpd="sng" algn="ctr">
+                      <a:noFill/>
+                      <a:prstDash val="solid"/>
+                      <a:round/>
+                      <a:headEnd type="none" w="med" len="med"/>
+                      <a:tailEnd type="none" w="med" len="med"/>
+                    </a:lnB>
+                    <a:lnTlToBr w="12700" cmpd="sng">
+                      <a:noFill/>
+                      <a:prstDash val="solid"/>
+                    </a:lnTlToBr>
+                    <a:lnBlToTr w="12700" cmpd="sng">
+                      <a:noFill/>
+                      <a:prstDash val="solid"/>
+                    </a:lnBlToTr>
+                    <a:solidFill>
+                      <a:schemeClr val="bg1"/>
+                    </a:solidFill>
+                  </a:tcPr>
+                </a:tc>
+                <a:extLst>
+                  <a:ext uri="{0D108BD9-81ED-4DB2-BD59-A6C34878D82A}">
+                    <a16:rowId xmlns:a16="http://schemas.microsoft.com/office/drawing/2014/main" val="3621552430"/>
+                  </a:ext>
+                </a:extLst>
+              </a:tr>
+              <a:tr h="0">
+                <a:tc>
+                  <a:txBody>
+                    <a:bodyPr/>
+                    <a:lstStyle/>
+                    <a:p>
+                      <a:pPr algn="ctr"/>
+                      <a:r>
+                        <a:rPr lang="en-US" dirty="0">
+                          <a:solidFill>
+                            <a:schemeClr val="tx1"/>
+                          </a:solidFill>
+                        </a:rPr>
+                        <a:t>1-1</a:t>
+                      </a:r>
+                      <a:endParaRPr lang="ru-RU" dirty="0">
+                        <a:solidFill>
+                          <a:schemeClr val="tx1"/>
+                        </a:solidFill>
+                      </a:endParaRPr>
+                    </a:p>
+                  </a:txBody>
+                  <a:tcPr>
+                    <a:lnL w="12700" cap="flat" cmpd="sng" algn="ctr">
+                      <a:noFill/>
+                      <a:prstDash val="solid"/>
+                      <a:round/>
+                      <a:headEnd type="none" w="med" len="med"/>
+                      <a:tailEnd type="none" w="med" len="med"/>
+                    </a:lnL>
+                    <a:lnR w="12700" cap="flat" cmpd="sng" algn="ctr">
+                      <a:noFill/>
+                      <a:prstDash val="solid"/>
+                      <a:round/>
+                      <a:headEnd type="none" w="med" len="med"/>
+                      <a:tailEnd type="none" w="med" len="med"/>
+                    </a:lnR>
+                    <a:lnT w="12700" cap="flat" cmpd="sng" algn="ctr">
+                      <a:noFill/>
+                      <a:prstDash val="solid"/>
+                      <a:round/>
+                      <a:headEnd type="none" w="med" len="med"/>
+                      <a:tailEnd type="none" w="med" len="med"/>
+                    </a:lnT>
+                    <a:lnB w="12700" cap="flat" cmpd="sng" algn="ctr">
+                      <a:noFill/>
+                      <a:prstDash val="solid"/>
+                      <a:round/>
+                      <a:headEnd type="none" w="med" len="med"/>
+                      <a:tailEnd type="none" w="med" len="med"/>
+                    </a:lnB>
+                    <a:lnTlToBr w="12700" cmpd="sng">
+                      <a:noFill/>
+                      <a:prstDash val="solid"/>
+                    </a:lnTlToBr>
+                    <a:lnBlToTr w="12700" cmpd="sng">
+                      <a:noFill/>
+                      <a:prstDash val="solid"/>
+                    </a:lnBlToTr>
+                    <a:solidFill>
+                      <a:schemeClr val="bg1"/>
+                    </a:solidFill>
+                  </a:tcPr>
+                </a:tc>
+                <a:extLst>
+                  <a:ext uri="{0D108BD9-81ED-4DB2-BD59-A6C34878D82A}">
+                    <a16:rowId xmlns:a16="http://schemas.microsoft.com/office/drawing/2014/main" val="3871388272"/>
+                  </a:ext>
+                </a:extLst>
+              </a:tr>
+              <a:tr h="301670">
+                <a:tc>
+                  <a:txBody>
+                    <a:bodyPr/>
+                    <a:lstStyle/>
+                    <a:p>
+                      <a:pPr algn="ctr"/>
+                      <a:r>
+                        <a:rPr lang="en-US" dirty="0">
+                          <a:solidFill>
+                            <a:schemeClr val="tx1"/>
+                          </a:solidFill>
+                        </a:rPr>
+                        <a:t>2-4</a:t>
+                      </a:r>
+                      <a:endParaRPr lang="ru-RU" dirty="0">
+                        <a:solidFill>
+                          <a:schemeClr val="tx1"/>
+                        </a:solidFill>
+                      </a:endParaRPr>
+                    </a:p>
+                  </a:txBody>
+                  <a:tcPr>
+                    <a:lnL w="12700" cap="flat" cmpd="sng" algn="ctr">
+                      <a:noFill/>
+                      <a:prstDash val="solid"/>
+                      <a:round/>
+                      <a:headEnd type="none" w="med" len="med"/>
+                      <a:tailEnd type="none" w="med" len="med"/>
+                    </a:lnL>
+                    <a:lnR w="12700" cap="flat" cmpd="sng" algn="ctr">
+                      <a:noFill/>
+                      <a:prstDash val="solid"/>
+                      <a:round/>
+                      <a:headEnd type="none" w="med" len="med"/>
+                      <a:tailEnd type="none" w="med" len="med"/>
+                    </a:lnR>
+                    <a:lnT w="12700" cap="flat" cmpd="sng" algn="ctr">
+                      <a:noFill/>
+                      <a:prstDash val="solid"/>
+                      <a:round/>
+                      <a:headEnd type="none" w="med" len="med"/>
+                      <a:tailEnd type="none" w="med" len="med"/>
+                    </a:lnT>
+                    <a:lnB w="12700" cap="flat" cmpd="sng" algn="ctr">
+                      <a:noFill/>
+                      <a:prstDash val="solid"/>
+                      <a:round/>
+                      <a:headEnd type="none" w="med" len="med"/>
+                      <a:tailEnd type="none" w="med" len="med"/>
+                    </a:lnB>
+                    <a:lnTlToBr w="12700" cmpd="sng">
+                      <a:noFill/>
+                      <a:prstDash val="solid"/>
+                    </a:lnTlToBr>
+                    <a:lnBlToTr w="12700" cmpd="sng">
+                      <a:noFill/>
+                      <a:prstDash val="solid"/>
+                    </a:lnBlToTr>
+                    <a:solidFill>
+                      <a:schemeClr val="bg1"/>
+                    </a:solidFill>
+                  </a:tcPr>
+                </a:tc>
+                <a:extLst>
+                  <a:ext uri="{0D108BD9-81ED-4DB2-BD59-A6C34878D82A}">
+                    <a16:rowId xmlns:a16="http://schemas.microsoft.com/office/drawing/2014/main" val="3525745541"/>
+                  </a:ext>
+                </a:extLst>
+              </a:tr>
+              <a:tr h="301670">
+                <a:tc>
+                  <a:txBody>
+                    <a:bodyPr/>
+                    <a:lstStyle/>
+                    <a:p>
+                      <a:pPr algn="ctr"/>
+                      <a:r>
+                        <a:rPr lang="en-US" dirty="0">
+                          <a:solidFill>
+                            <a:schemeClr val="tx1"/>
+                          </a:solidFill>
+                        </a:rPr>
+                        <a:t>3-2</a:t>
+                      </a:r>
+                      <a:endParaRPr lang="ru-RU" dirty="0">
+                        <a:solidFill>
+                          <a:schemeClr val="tx1"/>
+                        </a:solidFill>
+                      </a:endParaRPr>
+                    </a:p>
+                  </a:txBody>
+                  <a:tcPr>
+                    <a:lnL w="12700" cap="flat" cmpd="sng" algn="ctr">
+                      <a:noFill/>
+                      <a:prstDash val="solid"/>
+                      <a:round/>
+                      <a:headEnd type="none" w="med" len="med"/>
+                      <a:tailEnd type="none" w="med" len="med"/>
+                    </a:lnL>
+                    <a:lnR w="12700" cap="flat" cmpd="sng" algn="ctr">
+                      <a:noFill/>
+                      <a:prstDash val="solid"/>
+                      <a:round/>
+                      <a:headEnd type="none" w="med" len="med"/>
+                      <a:tailEnd type="none" w="med" len="med"/>
+                    </a:lnR>
+                    <a:lnT w="12700" cap="flat" cmpd="sng" algn="ctr">
+                      <a:noFill/>
+                      <a:prstDash val="solid"/>
+                      <a:round/>
+                      <a:headEnd type="none" w="med" len="med"/>
+                      <a:tailEnd type="none" w="med" len="med"/>
+                    </a:lnT>
+                    <a:lnB w="12700" cap="flat" cmpd="sng" algn="ctr">
+                      <a:noFill/>
+                      <a:prstDash val="solid"/>
+                      <a:round/>
+                      <a:headEnd type="none" w="med" len="med"/>
+                      <a:tailEnd type="none" w="med" len="med"/>
+                    </a:lnB>
+                    <a:lnTlToBr w="12700" cmpd="sng">
+                      <a:noFill/>
+                      <a:prstDash val="solid"/>
+                    </a:lnTlToBr>
+                    <a:lnBlToTr w="12700" cmpd="sng">
+                      <a:noFill/>
+                      <a:prstDash val="solid"/>
+                    </a:lnBlToTr>
+                    <a:solidFill>
+                      <a:schemeClr val="bg1"/>
+                    </a:solidFill>
+                  </a:tcPr>
+                </a:tc>
+                <a:extLst>
+                  <a:ext uri="{0D108BD9-81ED-4DB2-BD59-A6C34878D82A}">
+                    <a16:rowId xmlns:a16="http://schemas.microsoft.com/office/drawing/2014/main" val="247008469"/>
+                  </a:ext>
+                </a:extLst>
+              </a:tr>
+              <a:tr h="301670">
+                <a:tc>
+                  <a:txBody>
+                    <a:bodyPr/>
+                    <a:lstStyle/>
+                    <a:p>
+                      <a:pPr algn="ctr"/>
+                      <a:r>
+                        <a:rPr lang="en-US" dirty="0">
+                          <a:solidFill>
+                            <a:schemeClr val="tx1"/>
+                          </a:solidFill>
+                        </a:rPr>
+                        <a:t>4-3</a:t>
+                      </a:r>
+                      <a:endParaRPr lang="ru-RU" dirty="0">
+                        <a:solidFill>
+                          <a:schemeClr val="tx1"/>
+                        </a:solidFill>
+                      </a:endParaRPr>
+                    </a:p>
+                  </a:txBody>
+                  <a:tcPr>
+                    <a:lnL w="12700" cap="flat" cmpd="sng" algn="ctr">
+                      <a:noFill/>
+                      <a:prstDash val="solid"/>
+                      <a:round/>
+                      <a:headEnd type="none" w="med" len="med"/>
+                      <a:tailEnd type="none" w="med" len="med"/>
+                    </a:lnL>
+                    <a:lnR w="12700" cap="flat" cmpd="sng" algn="ctr">
+                      <a:noFill/>
+                      <a:prstDash val="solid"/>
+                      <a:round/>
+                      <a:headEnd type="none" w="med" len="med"/>
+                      <a:tailEnd type="none" w="med" len="med"/>
+                    </a:lnR>
+                    <a:lnT w="12700" cap="flat" cmpd="sng" algn="ctr">
+                      <a:noFill/>
+                      <a:prstDash val="solid"/>
+                      <a:round/>
+                      <a:headEnd type="none" w="med" len="med"/>
+                      <a:tailEnd type="none" w="med" len="med"/>
+                    </a:lnT>
+                    <a:lnB w="12700" cap="flat" cmpd="sng" algn="ctr">
+                      <a:noFill/>
+                      <a:prstDash val="solid"/>
+                      <a:round/>
+                      <a:headEnd type="none" w="med" len="med"/>
+                      <a:tailEnd type="none" w="med" len="med"/>
+                    </a:lnB>
+                    <a:lnTlToBr w="12700" cmpd="sng">
+                      <a:noFill/>
+                      <a:prstDash val="solid"/>
+                    </a:lnTlToBr>
+                    <a:lnBlToTr w="12700" cmpd="sng">
+                      <a:noFill/>
+                      <a:prstDash val="solid"/>
+                    </a:lnBlToTr>
+                    <a:solidFill>
+                      <a:schemeClr val="bg1"/>
+                    </a:solidFill>
+                  </a:tcPr>
+                </a:tc>
+                <a:extLst>
+                  <a:ext uri="{0D108BD9-81ED-4DB2-BD59-A6C34878D82A}">
+                    <a16:rowId xmlns:a16="http://schemas.microsoft.com/office/drawing/2014/main" val="2737849914"/>
+                  </a:ext>
+                </a:extLst>
+              </a:tr>
+            </a:tbl>
+          </a:graphicData>
+        </a:graphic>
+      </p:graphicFrame>
+      <p:graphicFrame>
+        <p:nvGraphicFramePr>
+          <p:cNvPr id="27" name="Таблица 26">
+            <a:extLst>
+              <a:ext uri="{FF2B5EF4-FFF2-40B4-BE49-F238E27FC236}">
+                <a16:creationId xmlns:a16="http://schemas.microsoft.com/office/drawing/2014/main" id="{20A64DF9-FEC1-4C20-8DEA-AD6F4DC33FF1}"/>
+              </a:ext>
+            </a:extLst>
+          </p:cNvPr>
+          <p:cNvGraphicFramePr>
+            <a:graphicFrameLocks noGrp="1"/>
+          </p:cNvGraphicFramePr>
+          <p:nvPr>
+            <p:extLst>
+              <p:ext uri="{D42A27DB-BD31-4B8C-83A1-F6EECF244321}">
+                <p14:modId xmlns:p14="http://schemas.microsoft.com/office/powerpoint/2010/main" val="1226459796"/>
+              </p:ext>
+            </p:extLst>
+          </p:nvPr>
+        </p:nvGraphicFramePr>
+        <p:xfrm>
+          <a:off x="2920674" y="4137448"/>
+          <a:ext cx="668174" cy="1837983"/>
+        </p:xfrm>
+        <a:graphic>
+          <a:graphicData uri="http://schemas.openxmlformats.org/drawingml/2006/table">
+            <a:tbl>
+              <a:tblPr firstRow="1" bandRow="1">
+                <a:tableStyleId>{5C22544A-7EE6-4342-B048-85BDC9FD1C3A}</a:tableStyleId>
+              </a:tblPr>
+              <a:tblGrid>
+                <a:gridCol w="668174">
+                  <a:extLst>
+                    <a:ext uri="{9D8B030D-6E8A-4147-A177-3AD203B41FA5}">
+                      <a16:colId xmlns:a16="http://schemas.microsoft.com/office/drawing/2014/main" val="2131970869"/>
+                    </a:ext>
+                  </a:extLst>
+                </a:gridCol>
+              </a:tblGrid>
+              <a:tr h="374943">
+                <a:tc>
+                  <a:txBody>
+                    <a:bodyPr/>
+                    <a:lstStyle/>
+                    <a:p>
+                      <a:pPr algn="ctr"/>
+                      <a:r>
+                        <a:rPr lang="en-US" b="0" dirty="0">
+                          <a:solidFill>
+                            <a:schemeClr val="tx1"/>
+                          </a:solidFill>
+                        </a:rPr>
+                        <a:t>0-1</a:t>
+                      </a:r>
+                      <a:endParaRPr lang="ru-RU" b="0" dirty="0">
+                        <a:solidFill>
+                          <a:schemeClr val="tx1"/>
+                        </a:solidFill>
+                      </a:endParaRPr>
+                    </a:p>
+                  </a:txBody>
+                  <a:tcPr>
+                    <a:lnL w="12700" cap="flat" cmpd="sng" algn="ctr">
+                      <a:noFill/>
+                      <a:prstDash val="solid"/>
+                      <a:round/>
+                      <a:headEnd type="none" w="med" len="med"/>
+                      <a:tailEnd type="none" w="med" len="med"/>
+                    </a:lnL>
+                    <a:lnR w="12700" cap="flat" cmpd="sng" algn="ctr">
+                      <a:noFill/>
+                      <a:prstDash val="solid"/>
+                      <a:round/>
+                      <a:headEnd type="none" w="med" len="med"/>
+                      <a:tailEnd type="none" w="med" len="med"/>
+                    </a:lnR>
+                    <a:lnT w="12700" cap="flat" cmpd="sng" algn="ctr">
+                      <a:noFill/>
+                      <a:prstDash val="solid"/>
+                      <a:round/>
+                      <a:headEnd type="none" w="med" len="med"/>
+                      <a:tailEnd type="none" w="med" len="med"/>
+                    </a:lnT>
+                    <a:lnB w="12700" cap="flat" cmpd="sng" algn="ctr">
+                      <a:noFill/>
+                      <a:prstDash val="solid"/>
+                      <a:round/>
+                      <a:headEnd type="none" w="med" len="med"/>
+                      <a:tailEnd type="none" w="med" len="med"/>
+                    </a:lnB>
+                    <a:lnTlToBr w="12700" cmpd="sng">
+                      <a:noFill/>
+                      <a:prstDash val="solid"/>
+                    </a:lnTlToBr>
+                    <a:lnBlToTr w="12700" cmpd="sng">
+                      <a:noFill/>
+                      <a:prstDash val="solid"/>
+                    </a:lnBlToTr>
+                    <a:solidFill>
+                      <a:schemeClr val="bg1"/>
+                    </a:solidFill>
+                  </a:tcPr>
+                </a:tc>
+                <a:extLst>
+                  <a:ext uri="{0D108BD9-81ED-4DB2-BD59-A6C34878D82A}">
+                    <a16:rowId xmlns:a16="http://schemas.microsoft.com/office/drawing/2014/main" val="3621552430"/>
+                  </a:ext>
+                </a:extLst>
+              </a:tr>
+              <a:tr h="0">
+                <a:tc>
+                  <a:txBody>
+                    <a:bodyPr/>
+                    <a:lstStyle/>
+                    <a:p>
+                      <a:pPr algn="ctr"/>
+                      <a:r>
+                        <a:rPr lang="en-US" dirty="0">
+                          <a:solidFill>
+                            <a:schemeClr val="tx1"/>
+                          </a:solidFill>
+                        </a:rPr>
+                        <a:t>1-0</a:t>
+                      </a:r>
+                      <a:endParaRPr lang="ru-RU" dirty="0">
+                        <a:solidFill>
+                          <a:schemeClr val="tx1"/>
+                        </a:solidFill>
+                      </a:endParaRPr>
+                    </a:p>
+                  </a:txBody>
+                  <a:tcPr>
+                    <a:lnL w="12700" cap="flat" cmpd="sng" algn="ctr">
+                      <a:noFill/>
+                      <a:prstDash val="solid"/>
+                      <a:round/>
+                      <a:headEnd type="none" w="med" len="med"/>
+                      <a:tailEnd type="none" w="med" len="med"/>
+                    </a:lnL>
+                    <a:lnR w="12700" cap="flat" cmpd="sng" algn="ctr">
+                      <a:noFill/>
+                      <a:prstDash val="solid"/>
+                      <a:round/>
+                      <a:headEnd type="none" w="med" len="med"/>
+                      <a:tailEnd type="none" w="med" len="med"/>
+                    </a:lnR>
+                    <a:lnT w="12700" cap="flat" cmpd="sng" algn="ctr">
+                      <a:noFill/>
+                      <a:prstDash val="solid"/>
+                      <a:round/>
+                      <a:headEnd type="none" w="med" len="med"/>
+                      <a:tailEnd type="none" w="med" len="med"/>
+                    </a:lnT>
+                    <a:lnB w="12700" cap="flat" cmpd="sng" algn="ctr">
+                      <a:noFill/>
+                      <a:prstDash val="solid"/>
+                      <a:round/>
+                      <a:headEnd type="none" w="med" len="med"/>
+                      <a:tailEnd type="none" w="med" len="med"/>
+                    </a:lnB>
+                    <a:lnTlToBr w="12700" cmpd="sng">
+                      <a:noFill/>
+                      <a:prstDash val="solid"/>
+                    </a:lnTlToBr>
+                    <a:lnBlToTr w="12700" cmpd="sng">
+                      <a:noFill/>
+                      <a:prstDash val="solid"/>
+                    </a:lnBlToTr>
+                    <a:solidFill>
+                      <a:schemeClr val="bg1"/>
+                    </a:solidFill>
+                  </a:tcPr>
+                </a:tc>
+                <a:extLst>
+                  <a:ext uri="{0D108BD9-81ED-4DB2-BD59-A6C34878D82A}">
+                    <a16:rowId xmlns:a16="http://schemas.microsoft.com/office/drawing/2014/main" val="3871388272"/>
+                  </a:ext>
+                </a:extLst>
+              </a:tr>
+              <a:tr h="301670">
+                <a:tc>
+                  <a:txBody>
+                    <a:bodyPr/>
+                    <a:lstStyle/>
+                    <a:p>
+                      <a:pPr algn="ctr"/>
+                      <a:r>
+                        <a:rPr lang="en-US" dirty="0">
+                          <a:solidFill>
+                            <a:schemeClr val="tx1"/>
+                          </a:solidFill>
+                        </a:rPr>
+                        <a:t>2-2</a:t>
+                      </a:r>
+                      <a:endParaRPr lang="ru-RU" dirty="0">
+                        <a:solidFill>
+                          <a:schemeClr val="tx1"/>
+                        </a:solidFill>
+                      </a:endParaRPr>
+                    </a:p>
+                  </a:txBody>
+                  <a:tcPr>
+                    <a:lnL w="12700" cap="flat" cmpd="sng" algn="ctr">
+                      <a:noFill/>
+                      <a:prstDash val="solid"/>
+                      <a:round/>
+                      <a:headEnd type="none" w="med" len="med"/>
+                      <a:tailEnd type="none" w="med" len="med"/>
+                    </a:lnL>
+                    <a:lnR w="12700" cap="flat" cmpd="sng" algn="ctr">
+                      <a:noFill/>
+                      <a:prstDash val="solid"/>
+                      <a:round/>
+                      <a:headEnd type="none" w="med" len="med"/>
+                      <a:tailEnd type="none" w="med" len="med"/>
+                    </a:lnR>
+                    <a:lnT w="12700" cap="flat" cmpd="sng" algn="ctr">
+                      <a:noFill/>
+                      <a:prstDash val="solid"/>
+                      <a:round/>
+                      <a:headEnd type="none" w="med" len="med"/>
+                      <a:tailEnd type="none" w="med" len="med"/>
+                    </a:lnT>
+                    <a:lnB w="12700" cap="flat" cmpd="sng" algn="ctr">
+                      <a:noFill/>
+                      <a:prstDash val="solid"/>
+                      <a:round/>
+                      <a:headEnd type="none" w="med" len="med"/>
+                      <a:tailEnd type="none" w="med" len="med"/>
+                    </a:lnB>
+                    <a:lnTlToBr w="12700" cmpd="sng">
+                      <a:noFill/>
+                      <a:prstDash val="solid"/>
+                    </a:lnTlToBr>
+                    <a:lnBlToTr w="12700" cmpd="sng">
+                      <a:noFill/>
+                      <a:prstDash val="solid"/>
+                    </a:lnBlToTr>
+                    <a:solidFill>
+                      <a:schemeClr val="bg1"/>
+                    </a:solidFill>
+                  </a:tcPr>
+                </a:tc>
+                <a:extLst>
+                  <a:ext uri="{0D108BD9-81ED-4DB2-BD59-A6C34878D82A}">
+                    <a16:rowId xmlns:a16="http://schemas.microsoft.com/office/drawing/2014/main" val="3525745541"/>
+                  </a:ext>
+                </a:extLst>
+              </a:tr>
+              <a:tr h="301670">
+                <a:tc>
+                  <a:txBody>
+                    <a:bodyPr/>
+                    <a:lstStyle/>
+                    <a:p>
+                      <a:pPr algn="ctr"/>
+                      <a:r>
+                        <a:rPr lang="en-US" dirty="0">
+                          <a:solidFill>
+                            <a:schemeClr val="tx1"/>
+                          </a:solidFill>
+                        </a:rPr>
+                        <a:t>3-4</a:t>
+                      </a:r>
+                      <a:endParaRPr lang="ru-RU" dirty="0">
+                        <a:solidFill>
+                          <a:schemeClr val="tx1"/>
+                        </a:solidFill>
+                      </a:endParaRPr>
+                    </a:p>
+                  </a:txBody>
+                  <a:tcPr>
+                    <a:lnL w="12700" cap="flat" cmpd="sng" algn="ctr">
+                      <a:noFill/>
+                      <a:prstDash val="solid"/>
+                      <a:round/>
+                      <a:headEnd type="none" w="med" len="med"/>
+                      <a:tailEnd type="none" w="med" len="med"/>
+                    </a:lnL>
+                    <a:lnR w="12700" cap="flat" cmpd="sng" algn="ctr">
+                      <a:noFill/>
+                      <a:prstDash val="solid"/>
+                      <a:round/>
+                      <a:headEnd type="none" w="med" len="med"/>
+                      <a:tailEnd type="none" w="med" len="med"/>
+                    </a:lnR>
+                    <a:lnT w="12700" cap="flat" cmpd="sng" algn="ctr">
+                      <a:noFill/>
+                      <a:prstDash val="solid"/>
+                      <a:round/>
+                      <a:headEnd type="none" w="med" len="med"/>
+                      <a:tailEnd type="none" w="med" len="med"/>
+                    </a:lnT>
+                    <a:lnB w="12700" cap="flat" cmpd="sng" algn="ctr">
+                      <a:noFill/>
+                      <a:prstDash val="solid"/>
+                      <a:round/>
+                      <a:headEnd type="none" w="med" len="med"/>
+                      <a:tailEnd type="none" w="med" len="med"/>
+                    </a:lnB>
+                    <a:lnTlToBr w="12700" cmpd="sng">
+                      <a:noFill/>
+                      <a:prstDash val="solid"/>
+                    </a:lnTlToBr>
+                    <a:lnBlToTr w="12700" cmpd="sng">
+                      <a:noFill/>
+                      <a:prstDash val="solid"/>
+                    </a:lnBlToTr>
+                    <a:solidFill>
+                      <a:schemeClr val="bg1"/>
+                    </a:solidFill>
+                  </a:tcPr>
+                </a:tc>
+                <a:extLst>
+                  <a:ext uri="{0D108BD9-81ED-4DB2-BD59-A6C34878D82A}">
+                    <a16:rowId xmlns:a16="http://schemas.microsoft.com/office/drawing/2014/main" val="247008469"/>
+                  </a:ext>
+                </a:extLst>
+              </a:tr>
+              <a:tr h="301670">
+                <a:tc>
+                  <a:txBody>
+                    <a:bodyPr/>
+                    <a:lstStyle/>
+                    <a:p>
+                      <a:pPr algn="ctr"/>
+                      <a:r>
+                        <a:rPr lang="en-US" dirty="0">
+                          <a:solidFill>
+                            <a:schemeClr val="tx1"/>
+                          </a:solidFill>
+                        </a:rPr>
+                        <a:t>4-3</a:t>
+                      </a:r>
+                      <a:endParaRPr lang="ru-RU" dirty="0">
+                        <a:solidFill>
+                          <a:schemeClr val="tx1"/>
+                        </a:solidFill>
+                      </a:endParaRPr>
+                    </a:p>
+                  </a:txBody>
+                  <a:tcPr>
+                    <a:lnL w="12700" cap="flat" cmpd="sng" algn="ctr">
+                      <a:noFill/>
+                      <a:prstDash val="solid"/>
+                      <a:round/>
+                      <a:headEnd type="none" w="med" len="med"/>
+                      <a:tailEnd type="none" w="med" len="med"/>
+                    </a:lnL>
+                    <a:lnR w="12700" cap="flat" cmpd="sng" algn="ctr">
+                      <a:noFill/>
+                      <a:prstDash val="solid"/>
+                      <a:round/>
+                      <a:headEnd type="none" w="med" len="med"/>
+                      <a:tailEnd type="none" w="med" len="med"/>
+                    </a:lnR>
+                    <a:lnT w="12700" cap="flat" cmpd="sng" algn="ctr">
+                      <a:noFill/>
+                      <a:prstDash val="solid"/>
+                      <a:round/>
+                      <a:headEnd type="none" w="med" len="med"/>
+                      <a:tailEnd type="none" w="med" len="med"/>
+                    </a:lnT>
+                    <a:lnB w="12700" cap="flat" cmpd="sng" algn="ctr">
+                      <a:noFill/>
+                      <a:prstDash val="solid"/>
+                      <a:round/>
+                      <a:headEnd type="none" w="med" len="med"/>
+                      <a:tailEnd type="none" w="med" len="med"/>
+                    </a:lnB>
+                    <a:lnTlToBr w="12700" cmpd="sng">
+                      <a:noFill/>
+                      <a:prstDash val="solid"/>
+                    </a:lnTlToBr>
+                    <a:lnBlToTr w="12700" cmpd="sng">
+                      <a:noFill/>
+                      <a:prstDash val="solid"/>
+                    </a:lnBlToTr>
+                    <a:solidFill>
+                      <a:schemeClr val="bg1"/>
+                    </a:solidFill>
+                  </a:tcPr>
+                </a:tc>
+                <a:extLst>
+                  <a:ext uri="{0D108BD9-81ED-4DB2-BD59-A6C34878D82A}">
+                    <a16:rowId xmlns:a16="http://schemas.microsoft.com/office/drawing/2014/main" val="2737849914"/>
+                  </a:ext>
+                </a:extLst>
+              </a:tr>
+            </a:tbl>
+          </a:graphicData>
+        </a:graphic>
+      </p:graphicFrame>
+      <p:sp>
+        <p:nvSpPr>
+          <p:cNvPr id="3" name="TextBox 2">
+            <a:extLst>
+              <a:ext uri="{FF2B5EF4-FFF2-40B4-BE49-F238E27FC236}">
+                <a16:creationId xmlns:a16="http://schemas.microsoft.com/office/drawing/2014/main" id="{8CB2FC2A-D874-442D-9747-A4E8C53A18A5}"/>
+              </a:ext>
+            </a:extLst>
+          </p:cNvPr>
+          <p:cNvSpPr txBox="1"/>
+          <p:nvPr/>
+        </p:nvSpPr>
+        <p:spPr>
+          <a:xfrm>
+            <a:off x="1376718" y="6147994"/>
+            <a:ext cx="950901" cy="369332"/>
+          </a:xfrm>
+          <a:prstGeom prst="rect">
+            <a:avLst/>
+          </a:prstGeom>
+          <a:noFill/>
+        </p:spPr>
+        <p:txBody>
+          <a:bodyPr wrap="none" rtlCol="0">
+            <a:spAutoFit/>
+          </a:bodyPr>
+          <a:lstStyle/>
+          <a:p>
+            <a:r>
+              <a:rPr lang="en-US" dirty="0" err="1"/>
+              <a:t>ind</a:t>
+            </a:r>
+            <a:r>
+              <a:rPr lang="en-US" dirty="0"/>
+              <a:t>[</a:t>
+            </a:r>
+            <a:r>
+              <a:rPr lang="en-US" dirty="0" err="1"/>
+              <a:t>i</a:t>
+            </a:r>
+            <a:r>
+              <a:rPr lang="en-US" dirty="0"/>
+              <a:t>] = j</a:t>
+            </a:r>
+            <a:endParaRPr lang="ru-RU" dirty="0"/>
+          </a:p>
+        </p:txBody>
+      </p:sp>
+      <p:sp>
+        <p:nvSpPr>
+          <p:cNvPr id="28" name="TextBox 27">
+            <a:extLst>
+              <a:ext uri="{FF2B5EF4-FFF2-40B4-BE49-F238E27FC236}">
+                <a16:creationId xmlns:a16="http://schemas.microsoft.com/office/drawing/2014/main" id="{4B7F3889-2022-41EE-83B7-167CA9A94124}"/>
+              </a:ext>
+            </a:extLst>
+          </p:cNvPr>
+          <p:cNvSpPr txBox="1"/>
+          <p:nvPr/>
+        </p:nvSpPr>
+        <p:spPr>
+          <a:xfrm>
+            <a:off x="2779310" y="6144164"/>
+            <a:ext cx="950901" cy="369332"/>
+          </a:xfrm>
+          <a:prstGeom prst="rect">
+            <a:avLst/>
+          </a:prstGeom>
+          <a:noFill/>
+        </p:spPr>
+        <p:txBody>
+          <a:bodyPr wrap="none" rtlCol="0">
+            <a:spAutoFit/>
+          </a:bodyPr>
+          <a:lstStyle/>
+          <a:p>
+            <a:r>
+              <a:rPr lang="en-US" dirty="0" err="1"/>
+              <a:t>ind</a:t>
+            </a:r>
+            <a:r>
+              <a:rPr lang="en-US" dirty="0"/>
+              <a:t>[</a:t>
+            </a:r>
+            <a:r>
+              <a:rPr lang="en-US" dirty="0" err="1"/>
+              <a:t>i</a:t>
+            </a:r>
+            <a:r>
+              <a:rPr lang="en-US" dirty="0"/>
+              <a:t>] = j</a:t>
+            </a:r>
+            <a:endParaRPr lang="ru-RU" dirty="0"/>
+          </a:p>
+        </p:txBody>
+      </p:sp>
+      <p:sp>
+        <p:nvSpPr>
+          <p:cNvPr id="4" name="TextBox 3">
+            <a:extLst>
+              <a:ext uri="{FF2B5EF4-FFF2-40B4-BE49-F238E27FC236}">
+                <a16:creationId xmlns:a16="http://schemas.microsoft.com/office/drawing/2014/main" id="{15685A16-39D7-466F-AE26-8417FE9D8126}"/>
+              </a:ext>
+            </a:extLst>
+          </p:cNvPr>
+          <p:cNvSpPr txBox="1"/>
+          <p:nvPr/>
+        </p:nvSpPr>
+        <p:spPr>
+          <a:xfrm>
+            <a:off x="6096000" y="2947386"/>
+            <a:ext cx="1404552" cy="369332"/>
+          </a:xfrm>
+          <a:prstGeom prst="rect">
+            <a:avLst/>
+          </a:prstGeom>
+          <a:noFill/>
+        </p:spPr>
+        <p:txBody>
+          <a:bodyPr wrap="none" rtlCol="0">
+            <a:spAutoFit/>
+          </a:bodyPr>
+          <a:lstStyle/>
+          <a:p>
+            <a:r>
+              <a:rPr lang="en-US" dirty="0"/>
+              <a:t>2: 2 -&gt; 4 -&gt; 3 </a:t>
+            </a:r>
+            <a:endParaRPr lang="ru-RU" dirty="0"/>
+          </a:p>
+        </p:txBody>
+      </p:sp>
+      <p:sp>
+        <p:nvSpPr>
+          <p:cNvPr id="7" name="TextBox 6">
+            <a:extLst>
+              <a:ext uri="{FF2B5EF4-FFF2-40B4-BE49-F238E27FC236}">
+                <a16:creationId xmlns:a16="http://schemas.microsoft.com/office/drawing/2014/main" id="{17CCE920-74D3-46B1-8145-8D292A627C11}"/>
+              </a:ext>
+            </a:extLst>
+          </p:cNvPr>
+          <p:cNvSpPr txBox="1"/>
+          <p:nvPr/>
+        </p:nvSpPr>
+        <p:spPr>
+          <a:xfrm>
+            <a:off x="5897843" y="3244334"/>
+            <a:ext cx="1616212" cy="369332"/>
+          </a:xfrm>
+          <a:prstGeom prst="rect">
+            <a:avLst/>
+          </a:prstGeom>
+          <a:noFill/>
+        </p:spPr>
+        <p:txBody>
+          <a:bodyPr wrap="none" rtlCol="0">
+            <a:spAutoFit/>
+          </a:bodyPr>
+          <a:lstStyle/>
+          <a:p>
+            <a:r>
+              <a:rPr lang="en-US" dirty="0" err="1"/>
+              <a:t>traj</a:t>
+            </a:r>
+            <a:r>
+              <a:rPr lang="en-US" dirty="0"/>
+              <a:t> = </a:t>
+            </a:r>
+            <a:r>
+              <a:rPr lang="en-US" dirty="0" err="1"/>
+              <a:t>ind</a:t>
+            </a:r>
+            <a:r>
+              <a:rPr lang="en-US" dirty="0"/>
+              <a:t>[2] = 4</a:t>
+            </a:r>
+            <a:endParaRPr lang="ru-RU" dirty="0"/>
+          </a:p>
+        </p:txBody>
+      </p:sp>
+      <p:sp>
+        <p:nvSpPr>
+          <p:cNvPr id="29" name="TextBox 28">
+            <a:extLst>
+              <a:ext uri="{FF2B5EF4-FFF2-40B4-BE49-F238E27FC236}">
+                <a16:creationId xmlns:a16="http://schemas.microsoft.com/office/drawing/2014/main" id="{499CA35E-5656-496C-84BD-EE33B2EE8FD1}"/>
+              </a:ext>
+            </a:extLst>
+          </p:cNvPr>
+          <p:cNvSpPr txBox="1"/>
+          <p:nvPr/>
+        </p:nvSpPr>
+        <p:spPr>
+          <a:xfrm>
+            <a:off x="6334255" y="3611142"/>
+            <a:ext cx="1616212" cy="369332"/>
+          </a:xfrm>
+          <a:prstGeom prst="rect">
+            <a:avLst/>
+          </a:prstGeom>
+          <a:noFill/>
+        </p:spPr>
+        <p:txBody>
+          <a:bodyPr wrap="none" rtlCol="0">
+            <a:spAutoFit/>
+          </a:bodyPr>
+          <a:lstStyle/>
+          <a:p>
+            <a:r>
+              <a:rPr lang="en-US" dirty="0" err="1"/>
+              <a:t>traj</a:t>
+            </a:r>
+            <a:r>
+              <a:rPr lang="en-US" dirty="0"/>
+              <a:t> = </a:t>
+            </a:r>
+            <a:r>
+              <a:rPr lang="en-US" dirty="0" err="1"/>
+              <a:t>ind</a:t>
+            </a:r>
+            <a:r>
+              <a:rPr lang="en-US" dirty="0"/>
+              <a:t>[4] = 3</a:t>
+            </a:r>
+            <a:endParaRPr lang="ru-RU" dirty="0"/>
+          </a:p>
+        </p:txBody>
+      </p:sp>
+      <p:sp>
+        <p:nvSpPr>
+          <p:cNvPr id="9" name="TextBox 8">
+            <a:extLst>
+              <a:ext uri="{FF2B5EF4-FFF2-40B4-BE49-F238E27FC236}">
+                <a16:creationId xmlns:a16="http://schemas.microsoft.com/office/drawing/2014/main" id="{BA58F01E-9566-4060-BCE8-811717932453}"/>
+              </a:ext>
+            </a:extLst>
+          </p:cNvPr>
+          <p:cNvSpPr txBox="1"/>
+          <p:nvPr/>
+        </p:nvSpPr>
+        <p:spPr>
+          <a:xfrm>
+            <a:off x="5273336" y="2725445"/>
+            <a:ext cx="840358" cy="369332"/>
+          </a:xfrm>
+          <a:prstGeom prst="rect">
+            <a:avLst/>
+          </a:prstGeom>
+          <a:noFill/>
+        </p:spPr>
+        <p:txBody>
+          <a:bodyPr wrap="none" rtlCol="0">
+            <a:spAutoFit/>
+          </a:bodyPr>
+          <a:lstStyle/>
+          <a:p>
+            <a:r>
+              <a:rPr lang="en-US" dirty="0" err="1"/>
+              <a:t>traj</a:t>
+            </a:r>
+            <a:r>
+              <a:rPr lang="en-US" dirty="0"/>
+              <a:t> = 2</a:t>
+            </a:r>
+            <a:endParaRPr lang="ru-RU" dirty="0"/>
+          </a:p>
+        </p:txBody>
+      </p:sp>
+      <p:cxnSp>
+        <p:nvCxnSpPr>
+          <p:cNvPr id="13" name="Прямая со стрелкой 12">
+            <a:extLst>
+              <a:ext uri="{FF2B5EF4-FFF2-40B4-BE49-F238E27FC236}">
+                <a16:creationId xmlns:a16="http://schemas.microsoft.com/office/drawing/2014/main" id="{7B03EF9C-79AD-4B9A-B542-667E331BCA5B}"/>
+              </a:ext>
+            </a:extLst>
+          </p:cNvPr>
+          <p:cNvCxnSpPr/>
+          <p:nvPr/>
+        </p:nvCxnSpPr>
+        <p:spPr>
+          <a:xfrm>
+            <a:off x="6334255" y="2947386"/>
+            <a:ext cx="563695" cy="369332"/>
+          </a:xfrm>
+          <a:prstGeom prst="straightConnector1">
+            <a:avLst/>
+          </a:prstGeom>
+          <a:ln>
+            <a:tailEnd type="triangle"/>
+          </a:ln>
+        </p:spPr>
+        <p:style>
+          <a:lnRef idx="1">
+            <a:schemeClr val="accent1"/>
+          </a:lnRef>
+          <a:fillRef idx="0">
+            <a:schemeClr val="accent1"/>
+          </a:fillRef>
+          <a:effectRef idx="0">
+            <a:schemeClr val="accent1"/>
+          </a:effectRef>
+          <a:fontRef idx="minor">
+            <a:schemeClr val="tx1"/>
+          </a:fontRef>
+        </p:style>
+      </p:cxnSp>
+      <p:cxnSp>
+        <p:nvCxnSpPr>
+          <p:cNvPr id="17" name="Прямая со стрелкой 16">
+            <a:extLst>
+              <a:ext uri="{FF2B5EF4-FFF2-40B4-BE49-F238E27FC236}">
+                <a16:creationId xmlns:a16="http://schemas.microsoft.com/office/drawing/2014/main" id="{A8C0DF67-0247-4228-85DD-7BA5F320F994}"/>
+              </a:ext>
+            </a:extLst>
+          </p:cNvPr>
+          <p:cNvCxnSpPr/>
+          <p:nvPr/>
+        </p:nvCxnSpPr>
+        <p:spPr>
+          <a:xfrm>
+            <a:off x="7324078" y="3533313"/>
+            <a:ext cx="112833" cy="215586"/>
+          </a:xfrm>
+          <a:prstGeom prst="straightConnector1">
+            <a:avLst/>
+          </a:prstGeom>
+          <a:ln>
+            <a:tailEnd type="triangle"/>
+          </a:ln>
+        </p:spPr>
+        <p:style>
+          <a:lnRef idx="1">
+            <a:schemeClr val="accent1"/>
+          </a:lnRef>
+          <a:fillRef idx="0">
+            <a:schemeClr val="accent1"/>
+          </a:fillRef>
+          <a:effectRef idx="0">
+            <a:schemeClr val="accent1"/>
+          </a:effectRef>
+          <a:fontRef idx="minor">
+            <a:schemeClr val="tx1"/>
+          </a:fontRef>
+        </p:style>
+      </p:cxnSp>
+    </p:spTree>
+    <p:extLst>
+      <p:ext uri="{BB962C8B-B14F-4D97-AF65-F5344CB8AC3E}">
+        <p14:creationId xmlns:p14="http://schemas.microsoft.com/office/powerpoint/2010/main" val="3272753781"/>
+      </p:ext>
+    </p:extLst>
+  </p:cSld>
+  <p:clrMapOvr>
+    <a:masterClrMapping/>
+  </p:clrMapOvr>
+</p:sld>
+</file>
+
 <file path=ppt/theme/theme1.xml><?xml version="1.0" encoding="utf-8"?>
 <a:theme xmlns:a="http://schemas.openxmlformats.org/drawingml/2006/main" name="Тема Office">
   <a:themeElements>
